--- a/Rapport/Diagramme_fonctionnel.pptx
+++ b/Rapport/Diagramme_fonctionnel.pptx
@@ -2,12 +2,12 @@
 <file path=ppt/presentation.xml><?xml version="1.0" encoding="utf-8"?>
 <p:presentation xmlns:a="http://schemas.openxmlformats.org/drawingml/2006/main" xmlns:r="http://schemas.openxmlformats.org/officeDocument/2006/relationships" xmlns:p="http://schemas.openxmlformats.org/presentationml/2006/main" saveSubsetFonts="1">
   <p:sldMasterIdLst>
-    <p:sldMasterId id="2147483684" r:id="rId1"/>
+    <p:sldMasterId id="2147483696" r:id="rId1"/>
   </p:sldMasterIdLst>
   <p:sldIdLst>
     <p:sldId id="256" r:id="rId2"/>
   </p:sldIdLst>
-  <p:sldSz cx="10641013" cy="8189913"/>
+  <p:sldSz cx="10641013" cy="9359900"/>
   <p:notesSz cx="6858000" cy="9144000"/>
   <p:defaultTextStyle>
     <a:defPPr>
@@ -141,8 +141,8 @@
         </p:nvSpPr>
         <p:spPr>
           <a:xfrm>
-            <a:off x="798076" y="1340341"/>
-            <a:ext cx="9044861" cy="2851303"/>
+            <a:off x="798076" y="1531818"/>
+            <a:ext cx="9044861" cy="3258632"/>
           </a:xfrm>
         </p:spPr>
         <p:txBody>
@@ -173,8 +173,8 @@
         </p:nvSpPr>
         <p:spPr>
           <a:xfrm>
-            <a:off x="1330127" y="4301601"/>
-            <a:ext cx="7980760" cy="1977333"/>
+            <a:off x="1330127" y="4916115"/>
+            <a:ext cx="7980760" cy="2259809"/>
           </a:xfrm>
         </p:spPr>
         <p:txBody>
@@ -243,7 +243,7 @@
           <a:p>
             <a:fld id="{4FCC8443-EA21-47B8-B9B4-9459F89C4D37}" type="datetimeFigureOut">
               <a:rPr lang="fr-CA" smtClean="0"/>
-              <a:t>2019-03-14</a:t>
+              <a:t>2019-03-17</a:t>
             </a:fld>
             <a:endParaRPr lang="fr-CA"/>
           </a:p>
@@ -294,7 +294,7 @@
     </p:spTree>
     <p:extLst>
       <p:ext uri="{BB962C8B-B14F-4D97-AF65-F5344CB8AC3E}">
-        <p14:creationId xmlns:p14="http://schemas.microsoft.com/office/powerpoint/2010/main" val="2856488167"/>
+        <p14:creationId xmlns:p14="http://schemas.microsoft.com/office/powerpoint/2010/main" val="2650801795"/>
       </p:ext>
     </p:extLst>
   </p:cSld>
@@ -413,7 +413,7 @@
           <a:p>
             <a:fld id="{4FCC8443-EA21-47B8-B9B4-9459F89C4D37}" type="datetimeFigureOut">
               <a:rPr lang="fr-CA" smtClean="0"/>
-              <a:t>2019-03-14</a:t>
+              <a:t>2019-03-17</a:t>
             </a:fld>
             <a:endParaRPr lang="fr-CA"/>
           </a:p>
@@ -464,7 +464,7 @@
     </p:spTree>
     <p:extLst>
       <p:ext uri="{BB962C8B-B14F-4D97-AF65-F5344CB8AC3E}">
-        <p14:creationId xmlns:p14="http://schemas.microsoft.com/office/powerpoint/2010/main" val="2369853598"/>
+        <p14:creationId xmlns:p14="http://schemas.microsoft.com/office/powerpoint/2010/main" val="256284693"/>
       </p:ext>
     </p:extLst>
   </p:cSld>
@@ -503,8 +503,8 @@
         </p:nvSpPr>
         <p:spPr>
           <a:xfrm>
-            <a:off x="7614976" y="436037"/>
-            <a:ext cx="2294468" cy="6940573"/>
+            <a:off x="7614976" y="498328"/>
+            <a:ext cx="2294468" cy="7932083"/>
           </a:xfrm>
         </p:spPr>
         <p:txBody>
@@ -531,8 +531,8 @@
         </p:nvSpPr>
         <p:spPr>
           <a:xfrm>
-            <a:off x="731570" y="436037"/>
-            <a:ext cx="6750393" cy="6940573"/>
+            <a:off x="731570" y="498328"/>
+            <a:ext cx="6750393" cy="7932083"/>
           </a:xfrm>
         </p:spPr>
         <p:txBody>
@@ -593,7 +593,7 @@
           <a:p>
             <a:fld id="{4FCC8443-EA21-47B8-B9B4-9459F89C4D37}" type="datetimeFigureOut">
               <a:rPr lang="fr-CA" smtClean="0"/>
-              <a:t>2019-03-14</a:t>
+              <a:t>2019-03-17</a:t>
             </a:fld>
             <a:endParaRPr lang="fr-CA"/>
           </a:p>
@@ -644,7 +644,7 @@
     </p:spTree>
     <p:extLst>
       <p:ext uri="{BB962C8B-B14F-4D97-AF65-F5344CB8AC3E}">
-        <p14:creationId xmlns:p14="http://schemas.microsoft.com/office/powerpoint/2010/main" val="2102421080"/>
+        <p14:creationId xmlns:p14="http://schemas.microsoft.com/office/powerpoint/2010/main" val="1457081577"/>
       </p:ext>
     </p:extLst>
   </p:cSld>
@@ -763,7 +763,7 @@
           <a:p>
             <a:fld id="{4FCC8443-EA21-47B8-B9B4-9459F89C4D37}" type="datetimeFigureOut">
               <a:rPr lang="fr-CA" smtClean="0"/>
-              <a:t>2019-03-14</a:t>
+              <a:t>2019-03-17</a:t>
             </a:fld>
             <a:endParaRPr lang="fr-CA"/>
           </a:p>
@@ -814,7 +814,7 @@
     </p:spTree>
     <p:extLst>
       <p:ext uri="{BB962C8B-B14F-4D97-AF65-F5344CB8AC3E}">
-        <p14:creationId xmlns:p14="http://schemas.microsoft.com/office/powerpoint/2010/main" val="1877535634"/>
+        <p14:creationId xmlns:p14="http://schemas.microsoft.com/office/powerpoint/2010/main" val="1988091743"/>
       </p:ext>
     </p:extLst>
   </p:cSld>
@@ -853,8 +853,8 @@
         </p:nvSpPr>
         <p:spPr>
           <a:xfrm>
-            <a:off x="726028" y="2041793"/>
-            <a:ext cx="9177874" cy="3406776"/>
+            <a:off x="726028" y="2333478"/>
+            <a:ext cx="9177874" cy="3893458"/>
           </a:xfrm>
         </p:spPr>
         <p:txBody>
@@ -885,8 +885,8 @@
         </p:nvSpPr>
         <p:spPr>
           <a:xfrm>
-            <a:off x="726028" y="5480798"/>
-            <a:ext cx="9177874" cy="1791543"/>
+            <a:off x="726028" y="6263769"/>
+            <a:ext cx="9177874" cy="2047477"/>
           </a:xfrm>
         </p:spPr>
         <p:txBody>
@@ -1007,7 +1007,7 @@
           <a:p>
             <a:fld id="{4FCC8443-EA21-47B8-B9B4-9459F89C4D37}" type="datetimeFigureOut">
               <a:rPr lang="fr-CA" smtClean="0"/>
-              <a:t>2019-03-14</a:t>
+              <a:t>2019-03-17</a:t>
             </a:fld>
             <a:endParaRPr lang="fr-CA"/>
           </a:p>
@@ -1058,7 +1058,7 @@
     </p:spTree>
     <p:extLst>
       <p:ext uri="{BB962C8B-B14F-4D97-AF65-F5344CB8AC3E}">
-        <p14:creationId xmlns:p14="http://schemas.microsoft.com/office/powerpoint/2010/main" val="4080735160"/>
+        <p14:creationId xmlns:p14="http://schemas.microsoft.com/office/powerpoint/2010/main" val="2083021092"/>
       </p:ext>
     </p:extLst>
   </p:cSld>
@@ -1120,8 +1120,8 @@
         </p:nvSpPr>
         <p:spPr>
           <a:xfrm>
-            <a:off x="731569" y="2180185"/>
-            <a:ext cx="4522431" cy="5196425"/>
+            <a:off x="731569" y="2491640"/>
+            <a:ext cx="4522431" cy="5938771"/>
           </a:xfrm>
         </p:spPr>
         <p:txBody>
@@ -1177,8 +1177,8 @@
         </p:nvSpPr>
         <p:spPr>
           <a:xfrm>
-            <a:off x="5387013" y="2180185"/>
-            <a:ext cx="4522431" cy="5196425"/>
+            <a:off x="5387013" y="2491640"/>
+            <a:ext cx="4522431" cy="5938771"/>
           </a:xfrm>
         </p:spPr>
         <p:txBody>
@@ -1239,7 +1239,7 @@
           <a:p>
             <a:fld id="{4FCC8443-EA21-47B8-B9B4-9459F89C4D37}" type="datetimeFigureOut">
               <a:rPr lang="fr-CA" smtClean="0"/>
-              <a:t>2019-03-14</a:t>
+              <a:t>2019-03-17</a:t>
             </a:fld>
             <a:endParaRPr lang="fr-CA"/>
           </a:p>
@@ -1290,7 +1290,7 @@
     </p:spTree>
     <p:extLst>
       <p:ext uri="{BB962C8B-B14F-4D97-AF65-F5344CB8AC3E}">
-        <p14:creationId xmlns:p14="http://schemas.microsoft.com/office/powerpoint/2010/main" val="2157812667"/>
+        <p14:creationId xmlns:p14="http://schemas.microsoft.com/office/powerpoint/2010/main" val="3858078980"/>
       </p:ext>
     </p:extLst>
   </p:cSld>
@@ -1329,8 +1329,8 @@
         </p:nvSpPr>
         <p:spPr>
           <a:xfrm>
-            <a:off x="732955" y="436039"/>
-            <a:ext cx="9177874" cy="1583005"/>
+            <a:off x="732955" y="498330"/>
+            <a:ext cx="9177874" cy="1809148"/>
           </a:xfrm>
         </p:spPr>
         <p:txBody>
@@ -1357,8 +1357,8 @@
         </p:nvSpPr>
         <p:spPr>
           <a:xfrm>
-            <a:off x="732957" y="2007667"/>
-            <a:ext cx="4501647" cy="983926"/>
+            <a:off x="732957" y="2294476"/>
+            <a:ext cx="4501647" cy="1124487"/>
           </a:xfrm>
         </p:spPr>
         <p:txBody>
@@ -1422,8 +1422,8 @@
         </p:nvSpPr>
         <p:spPr>
           <a:xfrm>
-            <a:off x="732957" y="2991593"/>
-            <a:ext cx="4501647" cy="4400183"/>
+            <a:off x="732957" y="3418964"/>
+            <a:ext cx="4501647" cy="5028780"/>
           </a:xfrm>
         </p:spPr>
         <p:txBody>
@@ -1479,8 +1479,8 @@
         </p:nvSpPr>
         <p:spPr>
           <a:xfrm>
-            <a:off x="5387013" y="2007667"/>
-            <a:ext cx="4523817" cy="983926"/>
+            <a:off x="5387013" y="2294476"/>
+            <a:ext cx="4523817" cy="1124487"/>
           </a:xfrm>
         </p:spPr>
         <p:txBody>
@@ -1544,8 +1544,8 @@
         </p:nvSpPr>
         <p:spPr>
           <a:xfrm>
-            <a:off x="5387013" y="2991593"/>
-            <a:ext cx="4523817" cy="4400183"/>
+            <a:off x="5387013" y="3418964"/>
+            <a:ext cx="4523817" cy="5028780"/>
           </a:xfrm>
         </p:spPr>
         <p:txBody>
@@ -1606,7 +1606,7 @@
           <a:p>
             <a:fld id="{4FCC8443-EA21-47B8-B9B4-9459F89C4D37}" type="datetimeFigureOut">
               <a:rPr lang="fr-CA" smtClean="0"/>
-              <a:t>2019-03-14</a:t>
+              <a:t>2019-03-17</a:t>
             </a:fld>
             <a:endParaRPr lang="fr-CA"/>
           </a:p>
@@ -1657,7 +1657,7 @@
     </p:spTree>
     <p:extLst>
       <p:ext uri="{BB962C8B-B14F-4D97-AF65-F5344CB8AC3E}">
-        <p14:creationId xmlns:p14="http://schemas.microsoft.com/office/powerpoint/2010/main" val="252663020"/>
+        <p14:creationId xmlns:p14="http://schemas.microsoft.com/office/powerpoint/2010/main" val="3831312554"/>
       </p:ext>
     </p:extLst>
   </p:cSld>
@@ -1724,7 +1724,7 @@
           <a:p>
             <a:fld id="{4FCC8443-EA21-47B8-B9B4-9459F89C4D37}" type="datetimeFigureOut">
               <a:rPr lang="fr-CA" smtClean="0"/>
-              <a:t>2019-03-14</a:t>
+              <a:t>2019-03-17</a:t>
             </a:fld>
             <a:endParaRPr lang="fr-CA"/>
           </a:p>
@@ -1775,7 +1775,7 @@
     </p:spTree>
     <p:extLst>
       <p:ext uri="{BB962C8B-B14F-4D97-AF65-F5344CB8AC3E}">
-        <p14:creationId xmlns:p14="http://schemas.microsoft.com/office/powerpoint/2010/main" val="3627360459"/>
+        <p14:creationId xmlns:p14="http://schemas.microsoft.com/office/powerpoint/2010/main" val="3648977777"/>
       </p:ext>
     </p:extLst>
   </p:cSld>
@@ -1819,7 +1819,7 @@
           <a:p>
             <a:fld id="{4FCC8443-EA21-47B8-B9B4-9459F89C4D37}" type="datetimeFigureOut">
               <a:rPr lang="fr-CA" smtClean="0"/>
-              <a:t>2019-03-14</a:t>
+              <a:t>2019-03-17</a:t>
             </a:fld>
             <a:endParaRPr lang="fr-CA"/>
           </a:p>
@@ -1870,7 +1870,7 @@
     </p:spTree>
     <p:extLst>
       <p:ext uri="{BB962C8B-B14F-4D97-AF65-F5344CB8AC3E}">
-        <p14:creationId xmlns:p14="http://schemas.microsoft.com/office/powerpoint/2010/main" val="1830661856"/>
+        <p14:creationId xmlns:p14="http://schemas.microsoft.com/office/powerpoint/2010/main" val="3157731876"/>
       </p:ext>
     </p:extLst>
   </p:cSld>
@@ -1909,8 +1909,8 @@
         </p:nvSpPr>
         <p:spPr>
           <a:xfrm>
-            <a:off x="732955" y="545994"/>
-            <a:ext cx="3432004" cy="1910980"/>
+            <a:off x="732955" y="623993"/>
+            <a:ext cx="3432004" cy="2183977"/>
           </a:xfrm>
         </p:spPr>
         <p:txBody>
@@ -1941,8 +1941,8 @@
         </p:nvSpPr>
         <p:spPr>
           <a:xfrm>
-            <a:off x="4523816" y="1179197"/>
-            <a:ext cx="5387013" cy="5820147"/>
+            <a:off x="4523816" y="1347654"/>
+            <a:ext cx="5387013" cy="6651596"/>
           </a:xfrm>
         </p:spPr>
         <p:txBody>
@@ -2026,8 +2026,8 @@
         </p:nvSpPr>
         <p:spPr>
           <a:xfrm>
-            <a:off x="732955" y="2456974"/>
-            <a:ext cx="3432004" cy="4551848"/>
+            <a:off x="732955" y="2807970"/>
+            <a:ext cx="3432004" cy="5202112"/>
           </a:xfrm>
         </p:spPr>
         <p:txBody>
@@ -2096,7 +2096,7 @@
           <a:p>
             <a:fld id="{4FCC8443-EA21-47B8-B9B4-9459F89C4D37}" type="datetimeFigureOut">
               <a:rPr lang="fr-CA" smtClean="0"/>
-              <a:t>2019-03-14</a:t>
+              <a:t>2019-03-17</a:t>
             </a:fld>
             <a:endParaRPr lang="fr-CA"/>
           </a:p>
@@ -2147,7 +2147,7 @@
     </p:spTree>
     <p:extLst>
       <p:ext uri="{BB962C8B-B14F-4D97-AF65-F5344CB8AC3E}">
-        <p14:creationId xmlns:p14="http://schemas.microsoft.com/office/powerpoint/2010/main" val="2100328899"/>
+        <p14:creationId xmlns:p14="http://schemas.microsoft.com/office/powerpoint/2010/main" val="1983216234"/>
       </p:ext>
     </p:extLst>
   </p:cSld>
@@ -2186,8 +2186,8 @@
         </p:nvSpPr>
         <p:spPr>
           <a:xfrm>
-            <a:off x="732955" y="545994"/>
-            <a:ext cx="3432004" cy="1910980"/>
+            <a:off x="732955" y="623993"/>
+            <a:ext cx="3432004" cy="2183977"/>
           </a:xfrm>
         </p:spPr>
         <p:txBody>
@@ -2218,8 +2218,8 @@
         </p:nvSpPr>
         <p:spPr>
           <a:xfrm>
-            <a:off x="4523816" y="1179197"/>
-            <a:ext cx="5387013" cy="5820147"/>
+            <a:off x="4523816" y="1347654"/>
+            <a:ext cx="5387013" cy="6651596"/>
           </a:xfrm>
         </p:spPr>
         <p:txBody>
@@ -2283,8 +2283,8 @@
         </p:nvSpPr>
         <p:spPr>
           <a:xfrm>
-            <a:off x="732955" y="2456974"/>
-            <a:ext cx="3432004" cy="4551848"/>
+            <a:off x="732955" y="2807970"/>
+            <a:ext cx="3432004" cy="5202112"/>
           </a:xfrm>
         </p:spPr>
         <p:txBody>
@@ -2353,7 +2353,7 @@
           <a:p>
             <a:fld id="{4FCC8443-EA21-47B8-B9B4-9459F89C4D37}" type="datetimeFigureOut">
               <a:rPr lang="fr-CA" smtClean="0"/>
-              <a:t>2019-03-14</a:t>
+              <a:t>2019-03-17</a:t>
             </a:fld>
             <a:endParaRPr lang="fr-CA"/>
           </a:p>
@@ -2404,7 +2404,7 @@
     </p:spTree>
     <p:extLst>
       <p:ext uri="{BB962C8B-B14F-4D97-AF65-F5344CB8AC3E}">
-        <p14:creationId xmlns:p14="http://schemas.microsoft.com/office/powerpoint/2010/main" val="2690123871"/>
+        <p14:creationId xmlns:p14="http://schemas.microsoft.com/office/powerpoint/2010/main" val="3651336183"/>
       </p:ext>
     </p:extLst>
   </p:cSld>
@@ -2448,8 +2448,8 @@
         </p:nvSpPr>
         <p:spPr>
           <a:xfrm>
-            <a:off x="731570" y="436039"/>
-            <a:ext cx="9177874" cy="1583005"/>
+            <a:off x="731570" y="498330"/>
+            <a:ext cx="9177874" cy="1809148"/>
           </a:xfrm>
           <a:prstGeom prst="rect">
             <a:avLst/>
@@ -2481,8 +2481,8 @@
         </p:nvSpPr>
         <p:spPr>
           <a:xfrm>
-            <a:off x="731570" y="2180185"/>
-            <a:ext cx="9177874" cy="5196425"/>
+            <a:off x="731570" y="2491640"/>
+            <a:ext cx="9177874" cy="5938771"/>
           </a:xfrm>
           <a:prstGeom prst="rect">
             <a:avLst/>
@@ -2543,8 +2543,8 @@
         </p:nvSpPr>
         <p:spPr>
           <a:xfrm>
-            <a:off x="731570" y="7590838"/>
-            <a:ext cx="2394228" cy="436037"/>
+            <a:off x="731570" y="8675243"/>
+            <a:ext cx="2394228" cy="498328"/>
           </a:xfrm>
           <a:prstGeom prst="rect">
             <a:avLst/>
@@ -2566,7 +2566,7 @@
           <a:p>
             <a:fld id="{4FCC8443-EA21-47B8-B9B4-9459F89C4D37}" type="datetimeFigureOut">
               <a:rPr lang="fr-CA" smtClean="0"/>
-              <a:t>2019-03-14</a:t>
+              <a:t>2019-03-17</a:t>
             </a:fld>
             <a:endParaRPr lang="fr-CA"/>
           </a:p>
@@ -2584,8 +2584,8 @@
         </p:nvSpPr>
         <p:spPr>
           <a:xfrm>
-            <a:off x="3524836" y="7590838"/>
-            <a:ext cx="3591342" cy="436037"/>
+            <a:off x="3524836" y="8675243"/>
+            <a:ext cx="3591342" cy="498328"/>
           </a:xfrm>
           <a:prstGeom prst="rect">
             <a:avLst/>
@@ -2621,8 +2621,8 @@
         </p:nvSpPr>
         <p:spPr>
           <a:xfrm>
-            <a:off x="7515215" y="7590838"/>
-            <a:ext cx="2394228" cy="436037"/>
+            <a:off x="7515215" y="8675243"/>
+            <a:ext cx="2394228" cy="498328"/>
           </a:xfrm>
           <a:prstGeom prst="rect">
             <a:avLst/>
@@ -2653,23 +2653,23 @@
     </p:spTree>
     <p:extLst>
       <p:ext uri="{BB962C8B-B14F-4D97-AF65-F5344CB8AC3E}">
-        <p14:creationId xmlns:p14="http://schemas.microsoft.com/office/powerpoint/2010/main" val="1713827947"/>
+        <p14:creationId xmlns:p14="http://schemas.microsoft.com/office/powerpoint/2010/main" val="2301261542"/>
       </p:ext>
     </p:extLst>
   </p:cSld>
   <p:clrMap bg1="lt1" tx1="dk1" bg2="lt2" tx2="dk2" accent1="accent1" accent2="accent2" accent3="accent3" accent4="accent4" accent5="accent5" accent6="accent6" hlink="hlink" folHlink="folHlink"/>
   <p:sldLayoutIdLst>
-    <p:sldLayoutId id="2147483685" r:id="rId1"/>
-    <p:sldLayoutId id="2147483686" r:id="rId2"/>
-    <p:sldLayoutId id="2147483687" r:id="rId3"/>
-    <p:sldLayoutId id="2147483688" r:id="rId4"/>
-    <p:sldLayoutId id="2147483689" r:id="rId5"/>
-    <p:sldLayoutId id="2147483690" r:id="rId6"/>
-    <p:sldLayoutId id="2147483691" r:id="rId7"/>
-    <p:sldLayoutId id="2147483692" r:id="rId8"/>
-    <p:sldLayoutId id="2147483693" r:id="rId9"/>
-    <p:sldLayoutId id="2147483694" r:id="rId10"/>
-    <p:sldLayoutId id="2147483695" r:id="rId11"/>
+    <p:sldLayoutId id="2147483697" r:id="rId1"/>
+    <p:sldLayoutId id="2147483698" r:id="rId2"/>
+    <p:sldLayoutId id="2147483699" r:id="rId3"/>
+    <p:sldLayoutId id="2147483700" r:id="rId4"/>
+    <p:sldLayoutId id="2147483701" r:id="rId5"/>
+    <p:sldLayoutId id="2147483702" r:id="rId6"/>
+    <p:sldLayoutId id="2147483703" r:id="rId7"/>
+    <p:sldLayoutId id="2147483704" r:id="rId8"/>
+    <p:sldLayoutId id="2147483705" r:id="rId9"/>
+    <p:sldLayoutId id="2147483706" r:id="rId10"/>
+    <p:sldLayoutId id="2147483707" r:id="rId11"/>
   </p:sldLayoutIdLst>
   <p:txStyles>
     <p:titleStyle>
@@ -2971,1630 +2971,1884 @@
           <a:chExt cx="0" cy="0"/>
         </a:xfrm>
       </p:grpSpPr>
-      <p:sp>
-        <p:nvSpPr>
-          <p:cNvPr id="4" name="Rectangle : coins arrondis 3">
+      <p:grpSp>
+        <p:nvGrpSpPr>
+          <p:cNvPr id="228" name="Groupe 227">
             <a:extLst>
               <a:ext uri="{FF2B5EF4-FFF2-40B4-BE49-F238E27FC236}">
-                <a16:creationId xmlns:a16="http://schemas.microsoft.com/office/drawing/2014/main" id="{7D67D7F9-67FC-49D6-AEAB-EC265B37F33F}"/>
+                <a16:creationId xmlns:a16="http://schemas.microsoft.com/office/drawing/2014/main" id="{2D9CFF2C-B2BC-4B02-BF39-2D0A2692DD2A}"/>
               </a:ext>
             </a:extLst>
           </p:cNvPr>
-          <p:cNvSpPr/>
+          <p:cNvGrpSpPr/>
           <p:nvPr/>
-        </p:nvSpPr>
-        <p:spPr>
+        </p:nvGrpSpPr>
+        <p:grpSpPr>
           <a:xfrm>
-            <a:off x="642478" y="216154"/>
-            <a:ext cx="1250352" cy="935045"/>
+            <a:off x="672593" y="166656"/>
+            <a:ext cx="9295826" cy="9026589"/>
+            <a:chOff x="490078" y="427803"/>
+            <a:chExt cx="9295826" cy="9026589"/>
           </a:xfrm>
-          <a:prstGeom prst="roundRect">
-            <a:avLst/>
-          </a:prstGeom>
-        </p:spPr>
-        <p:style>
-          <a:lnRef idx="2">
-            <a:schemeClr val="accent4">
-              <a:shade val="50000"/>
-            </a:schemeClr>
-          </a:lnRef>
-          <a:fillRef idx="1">
-            <a:schemeClr val="accent4"/>
-          </a:fillRef>
-          <a:effectRef idx="0">
-            <a:schemeClr val="accent4"/>
-          </a:effectRef>
-          <a:fontRef idx="minor">
-            <a:schemeClr val="lt1"/>
-          </a:fontRef>
-        </p:style>
-        <p:txBody>
-          <a:bodyPr rot="0" spcFirstLastPara="0" vertOverflow="overflow" horzOverflow="overflow" vert="horz" wrap="square" lIns="75021" tIns="37511" rIns="75021" bIns="37511" numCol="1" spcCol="0" rtlCol="0" fromWordArt="0" anchor="ctr" anchorCtr="0" forceAA="0" compatLnSpc="1">
-            <a:prstTxWarp prst="textNoShape">
+        </p:grpSpPr>
+        <p:sp>
+          <p:nvSpPr>
+            <p:cNvPr id="4" name="Rectangle : coins arrondis 3">
+              <a:extLst>
+                <a:ext uri="{FF2B5EF4-FFF2-40B4-BE49-F238E27FC236}">
+                  <a16:creationId xmlns:a16="http://schemas.microsoft.com/office/drawing/2014/main" id="{7D67D7F9-67FC-49D6-AEAB-EC265B37F33F}"/>
+                </a:ext>
+              </a:extLst>
+            </p:cNvPr>
+            <p:cNvSpPr/>
+            <p:nvPr/>
+          </p:nvSpPr>
+          <p:spPr>
+            <a:xfrm>
+              <a:off x="490078" y="427803"/>
+              <a:ext cx="1250352" cy="935045"/>
+            </a:xfrm>
+            <a:prstGeom prst="roundRect">
               <a:avLst/>
-            </a:prstTxWarp>
-            <a:noAutofit/>
-          </a:bodyPr>
-          <a:lstStyle/>
-          <a:p>
-            <a:pPr algn="ctr"/>
-            <a:r>
-              <a:rPr lang="fr-CA" sz="1476" dirty="0"/>
-              <a:t>Données de poisson</a:t>
-            </a:r>
-          </a:p>
-        </p:txBody>
-      </p:sp>
-      <p:sp>
-        <p:nvSpPr>
-          <p:cNvPr id="5" name="Rectangle : coins arrondis 4">
-            <a:extLst>
-              <a:ext uri="{FF2B5EF4-FFF2-40B4-BE49-F238E27FC236}">
-                <a16:creationId xmlns:a16="http://schemas.microsoft.com/office/drawing/2014/main" id="{A2559FC7-BBA7-4AAA-BC4B-1D900FD31BBC}"/>
-              </a:ext>
-            </a:extLst>
-          </p:cNvPr>
-          <p:cNvSpPr/>
-          <p:nvPr/>
-        </p:nvSpPr>
-        <p:spPr>
-          <a:xfrm>
-            <a:off x="8680454" y="216160"/>
-            <a:ext cx="1250352" cy="935045"/>
-          </a:xfrm>
-          <a:prstGeom prst="roundRect">
-            <a:avLst/>
-          </a:prstGeom>
-        </p:spPr>
-        <p:style>
-          <a:lnRef idx="2">
-            <a:schemeClr val="accent4">
-              <a:shade val="50000"/>
-            </a:schemeClr>
-          </a:lnRef>
-          <a:fillRef idx="1">
-            <a:schemeClr val="accent4"/>
-          </a:fillRef>
-          <a:effectRef idx="0">
-            <a:schemeClr val="accent4"/>
-          </a:effectRef>
-          <a:fontRef idx="minor">
-            <a:schemeClr val="lt1"/>
-          </a:fontRef>
-        </p:style>
-        <p:txBody>
-          <a:bodyPr rot="0" spcFirstLastPara="0" vertOverflow="overflow" horzOverflow="overflow" vert="horz" wrap="square" lIns="75021" tIns="37511" rIns="75021" bIns="37511" numCol="1" spcCol="0" rtlCol="0" fromWordArt="0" anchor="ctr" anchorCtr="0" forceAA="0" compatLnSpc="1">
-            <a:prstTxWarp prst="textNoShape">
+            </a:prstGeom>
+          </p:spPr>
+          <p:style>
+            <a:lnRef idx="2">
+              <a:schemeClr val="accent4">
+                <a:shade val="50000"/>
+              </a:schemeClr>
+            </a:lnRef>
+            <a:fillRef idx="1">
+              <a:schemeClr val="accent4"/>
+            </a:fillRef>
+            <a:effectRef idx="0">
+              <a:schemeClr val="accent4"/>
+            </a:effectRef>
+            <a:fontRef idx="minor">
+              <a:schemeClr val="lt1"/>
+            </a:fontRef>
+          </p:style>
+          <p:txBody>
+            <a:bodyPr rot="0" spcFirstLastPara="0" vertOverflow="overflow" horzOverflow="overflow" vert="horz" wrap="square" lIns="75021" tIns="37511" rIns="75021" bIns="37511" numCol="1" spcCol="0" rtlCol="0" fromWordArt="0" anchor="ctr" anchorCtr="0" forceAA="0" compatLnSpc="1">
+              <a:prstTxWarp prst="textNoShape">
+                <a:avLst/>
+              </a:prstTxWarp>
+              <a:noAutofit/>
+            </a:bodyPr>
+            <a:lstStyle/>
+            <a:p>
+              <a:pPr algn="ctr"/>
+              <a:r>
+                <a:rPr lang="fr-CA" sz="1476" dirty="0"/>
+                <a:t>Données de poisson</a:t>
+              </a:r>
+            </a:p>
+          </p:txBody>
+        </p:sp>
+        <p:sp>
+          <p:nvSpPr>
+            <p:cNvPr id="5" name="Rectangle : coins arrondis 4">
+              <a:extLst>
+                <a:ext uri="{FF2B5EF4-FFF2-40B4-BE49-F238E27FC236}">
+                  <a16:creationId xmlns:a16="http://schemas.microsoft.com/office/drawing/2014/main" id="{A2559FC7-BBA7-4AAA-BC4B-1D900FD31BBC}"/>
+                </a:ext>
+              </a:extLst>
+            </p:cNvPr>
+            <p:cNvSpPr/>
+            <p:nvPr/>
+          </p:nvSpPr>
+          <p:spPr>
+            <a:xfrm>
+              <a:off x="8528054" y="427809"/>
+              <a:ext cx="1250352" cy="935045"/>
+            </a:xfrm>
+            <a:prstGeom prst="roundRect">
               <a:avLst/>
-            </a:prstTxWarp>
-            <a:noAutofit/>
-          </a:bodyPr>
-          <a:lstStyle/>
-          <a:p>
-            <a:pPr algn="ctr"/>
-            <a:r>
-              <a:rPr lang="fr-CA" sz="1476" dirty="0"/>
-              <a:t>Date et heure</a:t>
-            </a:r>
-          </a:p>
-        </p:txBody>
-      </p:sp>
-      <p:sp>
-        <p:nvSpPr>
-          <p:cNvPr id="6" name="Rectangle : coins arrondis 5">
-            <a:extLst>
-              <a:ext uri="{FF2B5EF4-FFF2-40B4-BE49-F238E27FC236}">
-                <a16:creationId xmlns:a16="http://schemas.microsoft.com/office/drawing/2014/main" id="{9D5D1096-025D-4B07-A110-B04F7A733AFB}"/>
-              </a:ext>
-            </a:extLst>
-          </p:cNvPr>
-          <p:cNvSpPr/>
-          <p:nvPr/>
-        </p:nvSpPr>
-        <p:spPr>
-          <a:xfrm>
-            <a:off x="2250071" y="216154"/>
-            <a:ext cx="1250352" cy="935045"/>
-          </a:xfrm>
-          <a:prstGeom prst="roundRect">
-            <a:avLst/>
-          </a:prstGeom>
-        </p:spPr>
-        <p:style>
-          <a:lnRef idx="2">
-            <a:schemeClr val="accent4">
-              <a:shade val="50000"/>
-            </a:schemeClr>
-          </a:lnRef>
-          <a:fillRef idx="1">
-            <a:schemeClr val="accent4"/>
-          </a:fillRef>
-          <a:effectRef idx="0">
-            <a:schemeClr val="accent4"/>
-          </a:effectRef>
-          <a:fontRef idx="minor">
-            <a:schemeClr val="lt1"/>
-          </a:fontRef>
-        </p:style>
-        <p:txBody>
-          <a:bodyPr rot="0" spcFirstLastPara="0" vertOverflow="overflow" horzOverflow="overflow" vert="horz" wrap="square" lIns="75021" tIns="37511" rIns="75021" bIns="37511" numCol="1" spcCol="0" rtlCol="0" fromWordArt="0" anchor="ctr" anchorCtr="0" forceAA="0" compatLnSpc="1">
-            <a:prstTxWarp prst="textNoShape">
+            </a:prstGeom>
+          </p:spPr>
+          <p:style>
+            <a:lnRef idx="2">
+              <a:schemeClr val="accent4">
+                <a:shade val="50000"/>
+              </a:schemeClr>
+            </a:lnRef>
+            <a:fillRef idx="1">
+              <a:schemeClr val="accent4"/>
+            </a:fillRef>
+            <a:effectRef idx="0">
+              <a:schemeClr val="accent4"/>
+            </a:effectRef>
+            <a:fontRef idx="minor">
+              <a:schemeClr val="lt1"/>
+            </a:fontRef>
+          </p:style>
+          <p:txBody>
+            <a:bodyPr rot="0" spcFirstLastPara="0" vertOverflow="overflow" horzOverflow="overflow" vert="horz" wrap="square" lIns="75021" tIns="37511" rIns="75021" bIns="37511" numCol="1" spcCol="0" rtlCol="0" fromWordArt="0" anchor="ctr" anchorCtr="0" forceAA="0" compatLnSpc="1">
+              <a:prstTxWarp prst="textNoShape">
+                <a:avLst/>
+              </a:prstTxWarp>
+              <a:noAutofit/>
+            </a:bodyPr>
+            <a:lstStyle/>
+            <a:p>
+              <a:pPr algn="ctr"/>
+              <a:r>
+                <a:rPr lang="fr-CA" sz="1476" dirty="0"/>
+                <a:t>Date et heure</a:t>
+              </a:r>
+            </a:p>
+          </p:txBody>
+        </p:sp>
+        <p:sp>
+          <p:nvSpPr>
+            <p:cNvPr id="6" name="Rectangle : coins arrondis 5">
+              <a:extLst>
+                <a:ext uri="{FF2B5EF4-FFF2-40B4-BE49-F238E27FC236}">
+                  <a16:creationId xmlns:a16="http://schemas.microsoft.com/office/drawing/2014/main" id="{9D5D1096-025D-4B07-A110-B04F7A733AFB}"/>
+                </a:ext>
+              </a:extLst>
+            </p:cNvPr>
+            <p:cNvSpPr/>
+            <p:nvPr/>
+          </p:nvSpPr>
+          <p:spPr>
+            <a:xfrm>
+              <a:off x="2097671" y="427803"/>
+              <a:ext cx="1250352" cy="935045"/>
+            </a:xfrm>
+            <a:prstGeom prst="roundRect">
               <a:avLst/>
-            </a:prstTxWarp>
-            <a:noAutofit/>
-          </a:bodyPr>
-          <a:lstStyle/>
-          <a:p>
-            <a:pPr algn="ctr"/>
-            <a:r>
-              <a:rPr lang="fr-CA" sz="1476" dirty="0"/>
-              <a:t>Poissons</a:t>
-            </a:r>
-          </a:p>
-        </p:txBody>
-      </p:sp>
-      <p:sp>
-        <p:nvSpPr>
-          <p:cNvPr id="7" name="Rectangle : coins arrondis 6">
-            <a:extLst>
-              <a:ext uri="{FF2B5EF4-FFF2-40B4-BE49-F238E27FC236}">
-                <a16:creationId xmlns:a16="http://schemas.microsoft.com/office/drawing/2014/main" id="{2355821E-F946-4C8B-AD24-09CCAEA683D2}"/>
-              </a:ext>
-            </a:extLst>
-          </p:cNvPr>
-          <p:cNvSpPr/>
-          <p:nvPr/>
-        </p:nvSpPr>
-        <p:spPr>
-          <a:xfrm>
-            <a:off x="3857668" y="216160"/>
-            <a:ext cx="1250352" cy="935045"/>
-          </a:xfrm>
-          <a:prstGeom prst="roundRect">
-            <a:avLst/>
-          </a:prstGeom>
-        </p:spPr>
-        <p:style>
-          <a:lnRef idx="2">
-            <a:schemeClr val="accent4">
-              <a:shade val="50000"/>
-            </a:schemeClr>
-          </a:lnRef>
-          <a:fillRef idx="1">
-            <a:schemeClr val="accent4"/>
-          </a:fillRef>
-          <a:effectRef idx="0">
-            <a:schemeClr val="accent4"/>
-          </a:effectRef>
-          <a:fontRef idx="minor">
-            <a:schemeClr val="lt1"/>
-          </a:fontRef>
-        </p:style>
-        <p:txBody>
-          <a:bodyPr rot="0" spcFirstLastPara="0" vertOverflow="overflow" horzOverflow="overflow" vert="horz" wrap="square" lIns="75021" tIns="37511" rIns="75021" bIns="37511" numCol="1" spcCol="0" rtlCol="0" fromWordArt="0" anchor="ctr" anchorCtr="0" forceAA="0" compatLnSpc="1">
-            <a:prstTxWarp prst="textNoShape">
+            </a:prstGeom>
+          </p:spPr>
+          <p:style>
+            <a:lnRef idx="2">
+              <a:schemeClr val="accent4">
+                <a:shade val="50000"/>
+              </a:schemeClr>
+            </a:lnRef>
+            <a:fillRef idx="1">
+              <a:schemeClr val="accent4"/>
+            </a:fillRef>
+            <a:effectRef idx="0">
+              <a:schemeClr val="accent4"/>
+            </a:effectRef>
+            <a:fontRef idx="minor">
+              <a:schemeClr val="lt1"/>
+            </a:fontRef>
+          </p:style>
+          <p:txBody>
+            <a:bodyPr rot="0" spcFirstLastPara="0" vertOverflow="overflow" horzOverflow="overflow" vert="horz" wrap="square" lIns="75021" tIns="37511" rIns="75021" bIns="37511" numCol="1" spcCol="0" rtlCol="0" fromWordArt="0" anchor="ctr" anchorCtr="0" forceAA="0" compatLnSpc="1">
+              <a:prstTxWarp prst="textNoShape">
+                <a:avLst/>
+              </a:prstTxWarp>
+              <a:noAutofit/>
+            </a:bodyPr>
+            <a:lstStyle/>
+            <a:p>
+              <a:pPr algn="ctr"/>
+              <a:r>
+                <a:rPr lang="fr-CA" sz="1476" dirty="0"/>
+                <a:t>Poissons</a:t>
+              </a:r>
+            </a:p>
+          </p:txBody>
+        </p:sp>
+        <p:sp>
+          <p:nvSpPr>
+            <p:cNvPr id="7" name="Rectangle : coins arrondis 6">
+              <a:extLst>
+                <a:ext uri="{FF2B5EF4-FFF2-40B4-BE49-F238E27FC236}">
+                  <a16:creationId xmlns:a16="http://schemas.microsoft.com/office/drawing/2014/main" id="{2355821E-F946-4C8B-AD24-09CCAEA683D2}"/>
+                </a:ext>
+              </a:extLst>
+            </p:cNvPr>
+            <p:cNvSpPr/>
+            <p:nvPr/>
+          </p:nvSpPr>
+          <p:spPr>
+            <a:xfrm>
+              <a:off x="3705268" y="427809"/>
+              <a:ext cx="1250352" cy="935045"/>
+            </a:xfrm>
+            <a:prstGeom prst="roundRect">
               <a:avLst/>
-            </a:prstTxWarp>
-            <a:noAutofit/>
-          </a:bodyPr>
-          <a:lstStyle/>
-          <a:p>
-            <a:pPr algn="ctr"/>
-            <a:r>
-              <a:rPr lang="fr-CA" sz="1476" dirty="0"/>
-              <a:t>Source d’énergie</a:t>
-            </a:r>
-          </a:p>
-        </p:txBody>
-      </p:sp>
-      <p:sp>
-        <p:nvSpPr>
-          <p:cNvPr id="8" name="Rectangle : coins arrondis 7">
-            <a:extLst>
-              <a:ext uri="{FF2B5EF4-FFF2-40B4-BE49-F238E27FC236}">
-                <a16:creationId xmlns:a16="http://schemas.microsoft.com/office/drawing/2014/main" id="{BDD1884C-6CB4-4B31-AE7D-08E4708A5ABB}"/>
-              </a:ext>
-            </a:extLst>
-          </p:cNvPr>
-          <p:cNvSpPr/>
-          <p:nvPr/>
-        </p:nvSpPr>
-        <p:spPr>
-          <a:xfrm>
-            <a:off x="5465264" y="216160"/>
-            <a:ext cx="1250352" cy="935045"/>
-          </a:xfrm>
-          <a:prstGeom prst="roundRect">
-            <a:avLst/>
-          </a:prstGeom>
-        </p:spPr>
-        <p:style>
-          <a:lnRef idx="2">
-            <a:schemeClr val="accent4">
-              <a:shade val="50000"/>
-            </a:schemeClr>
-          </a:lnRef>
-          <a:fillRef idx="1">
-            <a:schemeClr val="accent4"/>
-          </a:fillRef>
-          <a:effectRef idx="0">
-            <a:schemeClr val="accent4"/>
-          </a:effectRef>
-          <a:fontRef idx="minor">
-            <a:schemeClr val="lt1"/>
-          </a:fontRef>
-        </p:style>
-        <p:txBody>
-          <a:bodyPr rot="0" spcFirstLastPara="0" vertOverflow="overflow" horzOverflow="overflow" vert="horz" wrap="square" lIns="75021" tIns="37511" rIns="75021" bIns="37511" numCol="1" spcCol="0" rtlCol="0" fromWordArt="0" anchor="ctr" anchorCtr="0" forceAA="0" compatLnSpc="1">
-            <a:prstTxWarp prst="textNoShape">
+            </a:prstGeom>
+          </p:spPr>
+          <p:style>
+            <a:lnRef idx="2">
+              <a:schemeClr val="accent4">
+                <a:shade val="50000"/>
+              </a:schemeClr>
+            </a:lnRef>
+            <a:fillRef idx="1">
+              <a:schemeClr val="accent4"/>
+            </a:fillRef>
+            <a:effectRef idx="0">
+              <a:schemeClr val="accent4"/>
+            </a:effectRef>
+            <a:fontRef idx="minor">
+              <a:schemeClr val="lt1"/>
+            </a:fontRef>
+          </p:style>
+          <p:txBody>
+            <a:bodyPr rot="0" spcFirstLastPara="0" vertOverflow="overflow" horzOverflow="overflow" vert="horz" wrap="square" lIns="75021" tIns="37511" rIns="75021" bIns="37511" numCol="1" spcCol="0" rtlCol="0" fromWordArt="0" anchor="ctr" anchorCtr="0" forceAA="0" compatLnSpc="1">
+              <a:prstTxWarp prst="textNoShape">
+                <a:avLst/>
+              </a:prstTxWarp>
+              <a:noAutofit/>
+            </a:bodyPr>
+            <a:lstStyle/>
+            <a:p>
+              <a:pPr algn="ctr"/>
+              <a:r>
+                <a:rPr lang="fr-CA" sz="1476" dirty="0"/>
+                <a:t>Source d’énergie</a:t>
+              </a:r>
+            </a:p>
+          </p:txBody>
+        </p:sp>
+        <p:sp>
+          <p:nvSpPr>
+            <p:cNvPr id="8" name="Rectangle : coins arrondis 7">
+              <a:extLst>
+                <a:ext uri="{FF2B5EF4-FFF2-40B4-BE49-F238E27FC236}">
+                  <a16:creationId xmlns:a16="http://schemas.microsoft.com/office/drawing/2014/main" id="{BDD1884C-6CB4-4B31-AE7D-08E4708A5ABB}"/>
+                </a:ext>
+              </a:extLst>
+            </p:cNvPr>
+            <p:cNvSpPr/>
+            <p:nvPr/>
+          </p:nvSpPr>
+          <p:spPr>
+            <a:xfrm>
+              <a:off x="5312864" y="427809"/>
+              <a:ext cx="1250352" cy="935045"/>
+            </a:xfrm>
+            <a:prstGeom prst="roundRect">
               <a:avLst/>
-            </a:prstTxWarp>
-            <a:noAutofit/>
-          </a:bodyPr>
-          <a:lstStyle/>
-          <a:p>
-            <a:pPr algn="ctr"/>
-            <a:r>
-              <a:rPr lang="fr-CA" sz="1476" dirty="0"/>
-              <a:t>Température interne</a:t>
-            </a:r>
-          </a:p>
-        </p:txBody>
-      </p:sp>
-      <p:sp>
-        <p:nvSpPr>
-          <p:cNvPr id="9" name="Rectangle : coins arrondis 8">
-            <a:extLst>
-              <a:ext uri="{FF2B5EF4-FFF2-40B4-BE49-F238E27FC236}">
-                <a16:creationId xmlns:a16="http://schemas.microsoft.com/office/drawing/2014/main" id="{4B807A07-C83E-416A-BADE-E5786B9889F0}"/>
-              </a:ext>
-            </a:extLst>
-          </p:cNvPr>
-          <p:cNvSpPr/>
-          <p:nvPr/>
-        </p:nvSpPr>
-        <p:spPr>
-          <a:xfrm>
-            <a:off x="7072860" y="216160"/>
-            <a:ext cx="1250352" cy="935045"/>
-          </a:xfrm>
-          <a:prstGeom prst="roundRect">
-            <a:avLst/>
-          </a:prstGeom>
-        </p:spPr>
-        <p:style>
-          <a:lnRef idx="2">
-            <a:schemeClr val="accent4">
-              <a:shade val="50000"/>
-            </a:schemeClr>
-          </a:lnRef>
-          <a:fillRef idx="1">
-            <a:schemeClr val="accent4"/>
-          </a:fillRef>
-          <a:effectRef idx="0">
-            <a:schemeClr val="accent4"/>
-          </a:effectRef>
-          <a:fontRef idx="minor">
-            <a:schemeClr val="lt1"/>
-          </a:fontRef>
-        </p:style>
-        <p:txBody>
-          <a:bodyPr rot="0" spcFirstLastPara="0" vertOverflow="overflow" horzOverflow="overflow" vert="horz" wrap="square" lIns="75021" tIns="37511" rIns="75021" bIns="37511" numCol="1" spcCol="0" rtlCol="0" fromWordArt="0" anchor="ctr" anchorCtr="0" forceAA="0" compatLnSpc="1">
-            <a:prstTxWarp prst="textNoShape">
+            </a:prstGeom>
+          </p:spPr>
+          <p:style>
+            <a:lnRef idx="2">
+              <a:schemeClr val="accent4">
+                <a:shade val="50000"/>
+              </a:schemeClr>
+            </a:lnRef>
+            <a:fillRef idx="1">
+              <a:schemeClr val="accent4"/>
+            </a:fillRef>
+            <a:effectRef idx="0">
+              <a:schemeClr val="accent4"/>
+            </a:effectRef>
+            <a:fontRef idx="minor">
+              <a:schemeClr val="lt1"/>
+            </a:fontRef>
+          </p:style>
+          <p:txBody>
+            <a:bodyPr rot="0" spcFirstLastPara="0" vertOverflow="overflow" horzOverflow="overflow" vert="horz" wrap="square" lIns="75021" tIns="37511" rIns="75021" bIns="37511" numCol="1" spcCol="0" rtlCol="0" fromWordArt="0" anchor="ctr" anchorCtr="0" forceAA="0" compatLnSpc="1">
+              <a:prstTxWarp prst="textNoShape">
+                <a:avLst/>
+              </a:prstTxWarp>
+              <a:noAutofit/>
+            </a:bodyPr>
+            <a:lstStyle/>
+            <a:p>
+              <a:pPr algn="ctr"/>
+              <a:r>
+                <a:rPr lang="fr-CA" sz="1476" dirty="0"/>
+                <a:t>Température interne</a:t>
+              </a:r>
+            </a:p>
+          </p:txBody>
+        </p:sp>
+        <p:sp>
+          <p:nvSpPr>
+            <p:cNvPr id="9" name="Rectangle : coins arrondis 8">
+              <a:extLst>
+                <a:ext uri="{FF2B5EF4-FFF2-40B4-BE49-F238E27FC236}">
+                  <a16:creationId xmlns:a16="http://schemas.microsoft.com/office/drawing/2014/main" id="{4B807A07-C83E-416A-BADE-E5786B9889F0}"/>
+                </a:ext>
+              </a:extLst>
+            </p:cNvPr>
+            <p:cNvSpPr/>
+            <p:nvPr/>
+          </p:nvSpPr>
+          <p:spPr>
+            <a:xfrm>
+              <a:off x="6920460" y="427809"/>
+              <a:ext cx="1250352" cy="935045"/>
+            </a:xfrm>
+            <a:prstGeom prst="roundRect">
               <a:avLst/>
-            </a:prstTxWarp>
-            <a:noAutofit/>
-          </a:bodyPr>
-          <a:lstStyle/>
-          <a:p>
-            <a:pPr algn="ctr"/>
-            <a:r>
-              <a:rPr lang="fr-CA" sz="1476" dirty="0"/>
-              <a:t>Température externe</a:t>
-            </a:r>
-          </a:p>
-        </p:txBody>
-      </p:sp>
-      <p:sp>
-        <p:nvSpPr>
-          <p:cNvPr id="10" name="Rectangle : coins arrondis 9">
-            <a:extLst>
-              <a:ext uri="{FF2B5EF4-FFF2-40B4-BE49-F238E27FC236}">
-                <a16:creationId xmlns:a16="http://schemas.microsoft.com/office/drawing/2014/main" id="{96FDC458-3064-4AD5-846A-B69A09BE477B}"/>
-              </a:ext>
-            </a:extLst>
-          </p:cNvPr>
-          <p:cNvSpPr/>
-          <p:nvPr/>
-        </p:nvSpPr>
-        <p:spPr>
-          <a:xfrm>
-            <a:off x="2257559" y="1519440"/>
-            <a:ext cx="1250352" cy="935046"/>
-          </a:xfrm>
-          <a:prstGeom prst="roundRect">
-            <a:avLst/>
-          </a:prstGeom>
-        </p:spPr>
-        <p:style>
-          <a:lnRef idx="2">
-            <a:schemeClr val="accent1">
-              <a:shade val="50000"/>
-            </a:schemeClr>
-          </a:lnRef>
-          <a:fillRef idx="1">
-            <a:schemeClr val="accent1"/>
-          </a:fillRef>
-          <a:effectRef idx="0">
-            <a:schemeClr val="accent1"/>
-          </a:effectRef>
-          <a:fontRef idx="minor">
-            <a:schemeClr val="lt1"/>
-          </a:fontRef>
-        </p:style>
-        <p:txBody>
-          <a:bodyPr rot="0" spcFirstLastPara="0" vertOverflow="overflow" horzOverflow="overflow" vert="horz" wrap="square" lIns="75021" tIns="37511" rIns="75021" bIns="37511" numCol="1" spcCol="0" rtlCol="0" fromWordArt="0" anchor="ctr" anchorCtr="0" forceAA="0" compatLnSpc="1">
-            <a:prstTxWarp prst="textNoShape">
+            </a:prstGeom>
+          </p:spPr>
+          <p:style>
+            <a:lnRef idx="2">
+              <a:schemeClr val="accent4">
+                <a:shade val="50000"/>
+              </a:schemeClr>
+            </a:lnRef>
+            <a:fillRef idx="1">
+              <a:schemeClr val="accent4"/>
+            </a:fillRef>
+            <a:effectRef idx="0">
+              <a:schemeClr val="accent4"/>
+            </a:effectRef>
+            <a:fontRef idx="minor">
+              <a:schemeClr val="lt1"/>
+            </a:fontRef>
+          </p:style>
+          <p:txBody>
+            <a:bodyPr rot="0" spcFirstLastPara="0" vertOverflow="overflow" horzOverflow="overflow" vert="horz" wrap="square" lIns="75021" tIns="37511" rIns="75021" bIns="37511" numCol="1" spcCol="0" rtlCol="0" fromWordArt="0" anchor="ctr" anchorCtr="0" forceAA="0" compatLnSpc="1">
+              <a:prstTxWarp prst="textNoShape">
+                <a:avLst/>
+              </a:prstTxWarp>
+              <a:noAutofit/>
+            </a:bodyPr>
+            <a:lstStyle/>
+            <a:p>
+              <a:pPr algn="ctr"/>
+              <a:r>
+                <a:rPr lang="fr-CA" sz="1476" dirty="0"/>
+                <a:t>Température externe</a:t>
+              </a:r>
+            </a:p>
+          </p:txBody>
+        </p:sp>
+        <p:sp>
+          <p:nvSpPr>
+            <p:cNvPr id="10" name="Rectangle : coins arrondis 9">
+              <a:extLst>
+                <a:ext uri="{FF2B5EF4-FFF2-40B4-BE49-F238E27FC236}">
+                  <a16:creationId xmlns:a16="http://schemas.microsoft.com/office/drawing/2014/main" id="{96FDC458-3064-4AD5-846A-B69A09BE477B}"/>
+                </a:ext>
+              </a:extLst>
+            </p:cNvPr>
+            <p:cNvSpPr/>
+            <p:nvPr/>
+          </p:nvSpPr>
+          <p:spPr>
+            <a:xfrm>
+              <a:off x="2105159" y="1731088"/>
+              <a:ext cx="1250352" cy="935046"/>
+            </a:xfrm>
+            <a:prstGeom prst="roundRect">
               <a:avLst/>
-            </a:prstTxWarp>
-            <a:noAutofit/>
-          </a:bodyPr>
-          <a:lstStyle/>
-          <a:p>
-            <a:pPr algn="ctr"/>
-            <a:r>
-              <a:rPr lang="fr-CA" sz="1476" dirty="0"/>
-              <a:t>Capter les informations sur les poissons</a:t>
-            </a:r>
-          </a:p>
-        </p:txBody>
-      </p:sp>
-      <p:sp>
-        <p:nvSpPr>
-          <p:cNvPr id="11" name="Rectangle : coins arrondis 10">
-            <a:extLst>
-              <a:ext uri="{FF2B5EF4-FFF2-40B4-BE49-F238E27FC236}">
-                <a16:creationId xmlns:a16="http://schemas.microsoft.com/office/drawing/2014/main" id="{5FFD1EE5-60D1-47F1-B6B3-3FD0DB021A77}"/>
-              </a:ext>
-            </a:extLst>
-          </p:cNvPr>
-          <p:cNvSpPr/>
-          <p:nvPr/>
-        </p:nvSpPr>
-        <p:spPr>
-          <a:xfrm>
-            <a:off x="2259406" y="2820171"/>
-            <a:ext cx="1250352" cy="1206861"/>
-          </a:xfrm>
-          <a:prstGeom prst="roundRect">
-            <a:avLst/>
-          </a:prstGeom>
-        </p:spPr>
-        <p:style>
-          <a:lnRef idx="2">
-            <a:schemeClr val="accent1">
-              <a:shade val="50000"/>
-            </a:schemeClr>
-          </a:lnRef>
-          <a:fillRef idx="1">
-            <a:schemeClr val="accent1"/>
-          </a:fillRef>
-          <a:effectRef idx="0">
-            <a:schemeClr val="accent1"/>
-          </a:effectRef>
-          <a:fontRef idx="minor">
-            <a:schemeClr val="lt1"/>
-          </a:fontRef>
-        </p:style>
-        <p:txBody>
-          <a:bodyPr rot="0" spcFirstLastPara="0" vertOverflow="overflow" horzOverflow="overflow" vert="horz" wrap="square" lIns="75021" tIns="37511" rIns="75021" bIns="37511" numCol="1" spcCol="0" rtlCol="0" fromWordArt="0" anchor="ctr" anchorCtr="0" forceAA="0" compatLnSpc="1">
-            <a:prstTxWarp prst="textNoShape">
+            </a:prstGeom>
+          </p:spPr>
+          <p:style>
+            <a:lnRef idx="2">
+              <a:schemeClr val="accent1">
+                <a:shade val="50000"/>
+              </a:schemeClr>
+            </a:lnRef>
+            <a:fillRef idx="1">
+              <a:schemeClr val="accent1"/>
+            </a:fillRef>
+            <a:effectRef idx="0">
+              <a:schemeClr val="accent1"/>
+            </a:effectRef>
+            <a:fontRef idx="minor">
+              <a:schemeClr val="lt1"/>
+            </a:fontRef>
+          </p:style>
+          <p:txBody>
+            <a:bodyPr rot="0" spcFirstLastPara="0" vertOverflow="overflow" horzOverflow="overflow" vert="horz" wrap="square" lIns="75021" tIns="37511" rIns="75021" bIns="37511" numCol="1" spcCol="0" rtlCol="0" fromWordArt="0" anchor="ctr" anchorCtr="0" forceAA="0" compatLnSpc="1">
+              <a:prstTxWarp prst="textNoShape">
+                <a:avLst/>
+              </a:prstTxWarp>
+              <a:noAutofit/>
+            </a:bodyPr>
+            <a:lstStyle/>
+            <a:p>
+              <a:pPr algn="ctr"/>
+              <a:r>
+                <a:rPr lang="fr-CA" sz="1476" dirty="0"/>
+                <a:t>Capter les informations sur les poissons</a:t>
+              </a:r>
+            </a:p>
+          </p:txBody>
+        </p:sp>
+        <p:sp>
+          <p:nvSpPr>
+            <p:cNvPr id="11" name="Rectangle : coins arrondis 10">
+              <a:extLst>
+                <a:ext uri="{FF2B5EF4-FFF2-40B4-BE49-F238E27FC236}">
+                  <a16:creationId xmlns:a16="http://schemas.microsoft.com/office/drawing/2014/main" id="{5FFD1EE5-60D1-47F1-B6B3-3FD0DB021A77}"/>
+                </a:ext>
+              </a:extLst>
+            </p:cNvPr>
+            <p:cNvSpPr/>
+            <p:nvPr/>
+          </p:nvSpPr>
+          <p:spPr>
+            <a:xfrm>
+              <a:off x="2107006" y="3031820"/>
+              <a:ext cx="1250352" cy="1206861"/>
+            </a:xfrm>
+            <a:prstGeom prst="roundRect">
               <a:avLst/>
-            </a:prstTxWarp>
-            <a:noAutofit/>
-          </a:bodyPr>
-          <a:lstStyle/>
-          <a:p>
-            <a:pPr algn="ctr"/>
-            <a:r>
-              <a:rPr lang="fr-CA" sz="1476" dirty="0"/>
-              <a:t>Acheminer les informations au centre de contrôle</a:t>
-            </a:r>
-          </a:p>
-        </p:txBody>
-      </p:sp>
-      <p:sp>
-        <p:nvSpPr>
-          <p:cNvPr id="12" name="Rectangle : coins arrondis 11">
-            <a:extLst>
-              <a:ext uri="{FF2B5EF4-FFF2-40B4-BE49-F238E27FC236}">
-                <a16:creationId xmlns:a16="http://schemas.microsoft.com/office/drawing/2014/main" id="{B538EC86-F6C3-433F-A619-408C8734ECC6}"/>
-              </a:ext>
-            </a:extLst>
-          </p:cNvPr>
-          <p:cNvSpPr/>
-          <p:nvPr/>
-        </p:nvSpPr>
-        <p:spPr>
-          <a:xfrm>
-            <a:off x="2257558" y="4388469"/>
-            <a:ext cx="1250352" cy="1094710"/>
-          </a:xfrm>
-          <a:prstGeom prst="roundRect">
-            <a:avLst/>
-          </a:prstGeom>
-        </p:spPr>
-        <p:style>
-          <a:lnRef idx="2">
-            <a:schemeClr val="accent1">
-              <a:shade val="50000"/>
-            </a:schemeClr>
-          </a:lnRef>
-          <a:fillRef idx="1">
-            <a:schemeClr val="accent1"/>
-          </a:fillRef>
-          <a:effectRef idx="0">
-            <a:schemeClr val="accent1"/>
-          </a:effectRef>
-          <a:fontRef idx="minor">
-            <a:schemeClr val="lt1"/>
-          </a:fontRef>
-        </p:style>
-        <p:txBody>
-          <a:bodyPr rot="0" spcFirstLastPara="0" vertOverflow="overflow" horzOverflow="overflow" vert="horz" wrap="square" lIns="75021" tIns="37511" rIns="75021" bIns="37511" numCol="1" spcCol="0" rtlCol="0" fromWordArt="0" anchor="ctr" anchorCtr="0" forceAA="0" compatLnSpc="1">
-            <a:prstTxWarp prst="textNoShape">
+            </a:prstGeom>
+          </p:spPr>
+          <p:style>
+            <a:lnRef idx="2">
+              <a:schemeClr val="accent1">
+                <a:shade val="50000"/>
+              </a:schemeClr>
+            </a:lnRef>
+            <a:fillRef idx="1">
+              <a:schemeClr val="accent1"/>
+            </a:fillRef>
+            <a:effectRef idx="0">
+              <a:schemeClr val="accent1"/>
+            </a:effectRef>
+            <a:fontRef idx="minor">
+              <a:schemeClr val="lt1"/>
+            </a:fontRef>
+          </p:style>
+          <p:txBody>
+            <a:bodyPr rot="0" spcFirstLastPara="0" vertOverflow="overflow" horzOverflow="overflow" vert="horz" wrap="square" lIns="75021" tIns="37511" rIns="75021" bIns="37511" numCol="1" spcCol="0" rtlCol="0" fromWordArt="0" anchor="ctr" anchorCtr="0" forceAA="0" compatLnSpc="1">
+              <a:prstTxWarp prst="textNoShape">
+                <a:avLst/>
+              </a:prstTxWarp>
+              <a:noAutofit/>
+            </a:bodyPr>
+            <a:lstStyle/>
+            <a:p>
+              <a:pPr algn="ctr"/>
+              <a:r>
+                <a:rPr lang="fr-CA" sz="1476" dirty="0"/>
+                <a:t>Acheminer les informations au centre de contrôle</a:t>
+              </a:r>
+            </a:p>
+          </p:txBody>
+        </p:sp>
+        <p:sp>
+          <p:nvSpPr>
+            <p:cNvPr id="12" name="Rectangle : coins arrondis 11">
+              <a:extLst>
+                <a:ext uri="{FF2B5EF4-FFF2-40B4-BE49-F238E27FC236}">
+                  <a16:creationId xmlns:a16="http://schemas.microsoft.com/office/drawing/2014/main" id="{B538EC86-F6C3-433F-A619-408C8734ECC6}"/>
+                </a:ext>
+              </a:extLst>
+            </p:cNvPr>
+            <p:cNvSpPr/>
+            <p:nvPr/>
+          </p:nvSpPr>
+          <p:spPr>
+            <a:xfrm>
+              <a:off x="2105158" y="4600117"/>
+              <a:ext cx="1250352" cy="1094710"/>
+            </a:xfrm>
+            <a:prstGeom prst="roundRect">
               <a:avLst/>
-            </a:prstTxWarp>
-            <a:noAutofit/>
-          </a:bodyPr>
-          <a:lstStyle/>
-          <a:p>
-            <a:pPr algn="ctr"/>
-            <a:r>
-              <a:rPr lang="fr-CA" sz="1476" dirty="0"/>
-              <a:t>Identifier les poissons et compiler les données</a:t>
-            </a:r>
-          </a:p>
-        </p:txBody>
-      </p:sp>
-      <p:sp>
-        <p:nvSpPr>
-          <p:cNvPr id="13" name="Rectangle : coins arrondis 12">
-            <a:extLst>
-              <a:ext uri="{FF2B5EF4-FFF2-40B4-BE49-F238E27FC236}">
-                <a16:creationId xmlns:a16="http://schemas.microsoft.com/office/drawing/2014/main" id="{E0A32AAA-B18B-4A3C-A55D-27F725B89A31}"/>
-              </a:ext>
-            </a:extLst>
-          </p:cNvPr>
-          <p:cNvSpPr/>
-          <p:nvPr/>
-        </p:nvSpPr>
-        <p:spPr>
-          <a:xfrm>
-            <a:off x="4661465" y="4468301"/>
-            <a:ext cx="1250352" cy="935045"/>
-          </a:xfrm>
-          <a:prstGeom prst="roundRect">
-            <a:avLst/>
-          </a:prstGeom>
-        </p:spPr>
-        <p:style>
-          <a:lnRef idx="2">
-            <a:schemeClr val="accent1">
-              <a:shade val="50000"/>
-            </a:schemeClr>
-          </a:lnRef>
-          <a:fillRef idx="1">
-            <a:schemeClr val="accent1"/>
-          </a:fillRef>
-          <a:effectRef idx="0">
-            <a:schemeClr val="accent1"/>
-          </a:effectRef>
-          <a:fontRef idx="minor">
-            <a:schemeClr val="lt1"/>
-          </a:fontRef>
-        </p:style>
-        <p:txBody>
-          <a:bodyPr rot="0" spcFirstLastPara="0" vertOverflow="overflow" horzOverflow="overflow" vert="horz" wrap="square" lIns="75021" tIns="37511" rIns="75021" bIns="37511" numCol="1" spcCol="0" rtlCol="0" fromWordArt="0" anchor="ctr" anchorCtr="0" forceAA="0" compatLnSpc="1">
-            <a:prstTxWarp prst="textNoShape">
+            </a:prstGeom>
+          </p:spPr>
+          <p:style>
+            <a:lnRef idx="2">
+              <a:schemeClr val="accent1">
+                <a:shade val="50000"/>
+              </a:schemeClr>
+            </a:lnRef>
+            <a:fillRef idx="1">
+              <a:schemeClr val="accent1"/>
+            </a:fillRef>
+            <a:effectRef idx="0">
+              <a:schemeClr val="accent1"/>
+            </a:effectRef>
+            <a:fontRef idx="minor">
+              <a:schemeClr val="lt1"/>
+            </a:fontRef>
+          </p:style>
+          <p:txBody>
+            <a:bodyPr rot="0" spcFirstLastPara="0" vertOverflow="overflow" horzOverflow="overflow" vert="horz" wrap="square" lIns="75021" tIns="37511" rIns="75021" bIns="37511" numCol="1" spcCol="0" rtlCol="0" fromWordArt="0" anchor="ctr" anchorCtr="0" forceAA="0" compatLnSpc="1">
+              <a:prstTxWarp prst="textNoShape">
+                <a:avLst/>
+              </a:prstTxWarp>
+              <a:noAutofit/>
+            </a:bodyPr>
+            <a:lstStyle/>
+            <a:p>
+              <a:pPr algn="ctr"/>
+              <a:r>
+                <a:rPr lang="fr-CA" sz="1476" dirty="0"/>
+                <a:t>Identifier les poissons et compiler les données</a:t>
+              </a:r>
+            </a:p>
+          </p:txBody>
+        </p:sp>
+        <p:sp>
+          <p:nvSpPr>
+            <p:cNvPr id="13" name="Rectangle : coins arrondis 12">
+              <a:extLst>
+                <a:ext uri="{FF2B5EF4-FFF2-40B4-BE49-F238E27FC236}">
+                  <a16:creationId xmlns:a16="http://schemas.microsoft.com/office/drawing/2014/main" id="{E0A32AAA-B18B-4A3C-A55D-27F725B89A31}"/>
+                </a:ext>
+              </a:extLst>
+            </p:cNvPr>
+            <p:cNvSpPr/>
+            <p:nvPr/>
+          </p:nvSpPr>
+          <p:spPr>
+            <a:xfrm>
+              <a:off x="4509065" y="4679950"/>
+              <a:ext cx="1250352" cy="935045"/>
+            </a:xfrm>
+            <a:prstGeom prst="roundRect">
               <a:avLst/>
-            </a:prstTxWarp>
-            <a:noAutofit/>
-          </a:bodyPr>
-          <a:lstStyle/>
-          <a:p>
-            <a:pPr algn="ctr"/>
-            <a:r>
-              <a:rPr lang="fr-CA" sz="1476" dirty="0"/>
-              <a:t>Stocker les données</a:t>
-            </a:r>
-          </a:p>
-        </p:txBody>
-      </p:sp>
-      <p:sp>
-        <p:nvSpPr>
-          <p:cNvPr id="14" name="Rectangle : coins arrondis 13">
-            <a:extLst>
-              <a:ext uri="{FF2B5EF4-FFF2-40B4-BE49-F238E27FC236}">
-                <a16:creationId xmlns:a16="http://schemas.microsoft.com/office/drawing/2014/main" id="{CA9C150C-DF2E-4973-A856-CFC0F468863F}"/>
-              </a:ext>
-            </a:extLst>
-          </p:cNvPr>
-          <p:cNvSpPr/>
-          <p:nvPr/>
-        </p:nvSpPr>
-        <p:spPr>
-          <a:xfrm>
-            <a:off x="3857668" y="1519444"/>
-            <a:ext cx="1250352" cy="935045"/>
-          </a:xfrm>
-          <a:prstGeom prst="roundRect">
-            <a:avLst/>
-          </a:prstGeom>
-        </p:spPr>
-        <p:style>
-          <a:lnRef idx="2">
-            <a:schemeClr val="accent1">
-              <a:shade val="50000"/>
-            </a:schemeClr>
-          </a:lnRef>
-          <a:fillRef idx="1">
-            <a:schemeClr val="accent1"/>
-          </a:fillRef>
-          <a:effectRef idx="0">
-            <a:schemeClr val="accent1"/>
-          </a:effectRef>
-          <a:fontRef idx="minor">
-            <a:schemeClr val="lt1"/>
-          </a:fontRef>
-        </p:style>
-        <p:txBody>
-          <a:bodyPr rot="0" spcFirstLastPara="0" vertOverflow="overflow" horzOverflow="overflow" vert="horz" wrap="square" lIns="75021" tIns="37511" rIns="75021" bIns="37511" numCol="1" spcCol="0" rtlCol="0" fromWordArt="0" anchor="ctr" anchorCtr="0" forceAA="0" compatLnSpc="1">
-            <a:prstTxWarp prst="textNoShape">
+            </a:prstGeom>
+          </p:spPr>
+          <p:style>
+            <a:lnRef idx="2">
+              <a:schemeClr val="accent1">
+                <a:shade val="50000"/>
+              </a:schemeClr>
+            </a:lnRef>
+            <a:fillRef idx="1">
+              <a:schemeClr val="accent1"/>
+            </a:fillRef>
+            <a:effectRef idx="0">
+              <a:schemeClr val="accent1"/>
+            </a:effectRef>
+            <a:fontRef idx="minor">
+              <a:schemeClr val="lt1"/>
+            </a:fontRef>
+          </p:style>
+          <p:txBody>
+            <a:bodyPr rot="0" spcFirstLastPara="0" vertOverflow="overflow" horzOverflow="overflow" vert="horz" wrap="square" lIns="75021" tIns="37511" rIns="75021" bIns="37511" numCol="1" spcCol="0" rtlCol="0" fromWordArt="0" anchor="ctr" anchorCtr="0" forceAA="0" compatLnSpc="1">
+              <a:prstTxWarp prst="textNoShape">
+                <a:avLst/>
+              </a:prstTxWarp>
+              <a:noAutofit/>
+            </a:bodyPr>
+            <a:lstStyle/>
+            <a:p>
+              <a:pPr algn="ctr"/>
+              <a:r>
+                <a:rPr lang="fr-CA" sz="1476" dirty="0"/>
+                <a:t>Stocker les données</a:t>
+              </a:r>
+            </a:p>
+          </p:txBody>
+        </p:sp>
+        <p:sp>
+          <p:nvSpPr>
+            <p:cNvPr id="14" name="Rectangle : coins arrondis 13">
+              <a:extLst>
+                <a:ext uri="{FF2B5EF4-FFF2-40B4-BE49-F238E27FC236}">
+                  <a16:creationId xmlns:a16="http://schemas.microsoft.com/office/drawing/2014/main" id="{CA9C150C-DF2E-4973-A856-CFC0F468863F}"/>
+                </a:ext>
+              </a:extLst>
+            </p:cNvPr>
+            <p:cNvSpPr/>
+            <p:nvPr/>
+          </p:nvSpPr>
+          <p:spPr>
+            <a:xfrm>
+              <a:off x="3705268" y="1731093"/>
+              <a:ext cx="1250352" cy="935045"/>
+            </a:xfrm>
+            <a:prstGeom prst="roundRect">
               <a:avLst/>
-            </a:prstTxWarp>
-            <a:noAutofit/>
-          </a:bodyPr>
-          <a:lstStyle/>
-          <a:p>
-            <a:pPr algn="ctr"/>
-            <a:r>
-              <a:rPr lang="fr-CA" sz="1476" dirty="0"/>
-              <a:t>Alimenter le capteur</a:t>
-            </a:r>
-          </a:p>
-        </p:txBody>
-      </p:sp>
-      <p:sp>
-        <p:nvSpPr>
-          <p:cNvPr id="15" name="Rectangle : coins arrondis 14">
-            <a:extLst>
-              <a:ext uri="{FF2B5EF4-FFF2-40B4-BE49-F238E27FC236}">
-                <a16:creationId xmlns:a16="http://schemas.microsoft.com/office/drawing/2014/main" id="{9649A4B5-EDC9-4A3D-9973-B5F8C5C7A9A3}"/>
-              </a:ext>
-            </a:extLst>
-          </p:cNvPr>
-          <p:cNvSpPr/>
-          <p:nvPr/>
-        </p:nvSpPr>
-        <p:spPr>
-          <a:xfrm>
-            <a:off x="5472750" y="1519443"/>
-            <a:ext cx="1250352" cy="935045"/>
-          </a:xfrm>
-          <a:prstGeom prst="roundRect">
-            <a:avLst/>
-          </a:prstGeom>
-        </p:spPr>
-        <p:style>
-          <a:lnRef idx="2">
-            <a:schemeClr val="accent1">
-              <a:shade val="50000"/>
-            </a:schemeClr>
-          </a:lnRef>
-          <a:fillRef idx="1">
-            <a:schemeClr val="accent1"/>
-          </a:fillRef>
-          <a:effectRef idx="0">
-            <a:schemeClr val="accent1"/>
-          </a:effectRef>
-          <a:fontRef idx="minor">
-            <a:schemeClr val="lt1"/>
-          </a:fontRef>
-        </p:style>
-        <p:txBody>
-          <a:bodyPr rot="0" spcFirstLastPara="0" vertOverflow="overflow" horzOverflow="overflow" vert="horz" wrap="square" lIns="75021" tIns="37511" rIns="75021" bIns="37511" numCol="1" spcCol="0" rtlCol="0" fromWordArt="0" anchor="ctr" anchorCtr="0" forceAA="0" compatLnSpc="1">
-            <a:prstTxWarp prst="textNoShape">
+            </a:prstGeom>
+          </p:spPr>
+          <p:style>
+            <a:lnRef idx="2">
+              <a:schemeClr val="accent1">
+                <a:shade val="50000"/>
+              </a:schemeClr>
+            </a:lnRef>
+            <a:fillRef idx="1">
+              <a:schemeClr val="accent1"/>
+            </a:fillRef>
+            <a:effectRef idx="0">
+              <a:schemeClr val="accent1"/>
+            </a:effectRef>
+            <a:fontRef idx="minor">
+              <a:schemeClr val="lt1"/>
+            </a:fontRef>
+          </p:style>
+          <p:txBody>
+            <a:bodyPr rot="0" spcFirstLastPara="0" vertOverflow="overflow" horzOverflow="overflow" vert="horz" wrap="square" lIns="75021" tIns="37511" rIns="75021" bIns="37511" numCol="1" spcCol="0" rtlCol="0" fromWordArt="0" anchor="ctr" anchorCtr="0" forceAA="0" compatLnSpc="1">
+              <a:prstTxWarp prst="textNoShape">
+                <a:avLst/>
+              </a:prstTxWarp>
+              <a:noAutofit/>
+            </a:bodyPr>
+            <a:lstStyle/>
+            <a:p>
+              <a:pPr algn="ctr"/>
+              <a:r>
+                <a:rPr lang="fr-CA" sz="1476" dirty="0"/>
+                <a:t>Alimenter le capteur</a:t>
+              </a:r>
+            </a:p>
+          </p:txBody>
+        </p:sp>
+        <p:sp>
+          <p:nvSpPr>
+            <p:cNvPr id="15" name="Rectangle : coins arrondis 14">
+              <a:extLst>
+                <a:ext uri="{FF2B5EF4-FFF2-40B4-BE49-F238E27FC236}">
+                  <a16:creationId xmlns:a16="http://schemas.microsoft.com/office/drawing/2014/main" id="{9649A4B5-EDC9-4A3D-9973-B5F8C5C7A9A3}"/>
+                </a:ext>
+              </a:extLst>
+            </p:cNvPr>
+            <p:cNvSpPr/>
+            <p:nvPr/>
+          </p:nvSpPr>
+          <p:spPr>
+            <a:xfrm>
+              <a:off x="5320350" y="1731092"/>
+              <a:ext cx="1250352" cy="935045"/>
+            </a:xfrm>
+            <a:prstGeom prst="roundRect">
               <a:avLst/>
-            </a:prstTxWarp>
-            <a:noAutofit/>
-          </a:bodyPr>
-          <a:lstStyle/>
-          <a:p>
-            <a:pPr algn="ctr"/>
-            <a:r>
-              <a:rPr lang="fr-CA" sz="1476" dirty="0"/>
-              <a:t>Mesurer la température interne</a:t>
-            </a:r>
-          </a:p>
-        </p:txBody>
-      </p:sp>
-      <p:sp>
-        <p:nvSpPr>
-          <p:cNvPr id="16" name="Rectangle : coins arrondis 15">
-            <a:extLst>
-              <a:ext uri="{FF2B5EF4-FFF2-40B4-BE49-F238E27FC236}">
-                <a16:creationId xmlns:a16="http://schemas.microsoft.com/office/drawing/2014/main" id="{C51A7DD4-C88C-488A-9D40-288360DABEDA}"/>
-              </a:ext>
-            </a:extLst>
-          </p:cNvPr>
-          <p:cNvSpPr/>
-          <p:nvPr/>
-        </p:nvSpPr>
-        <p:spPr>
-          <a:xfrm>
-            <a:off x="7072860" y="1519443"/>
-            <a:ext cx="1250352" cy="935045"/>
-          </a:xfrm>
-          <a:prstGeom prst="roundRect">
-            <a:avLst/>
-          </a:prstGeom>
-        </p:spPr>
-        <p:style>
-          <a:lnRef idx="2">
-            <a:schemeClr val="accent1">
-              <a:shade val="50000"/>
-            </a:schemeClr>
-          </a:lnRef>
-          <a:fillRef idx="1">
-            <a:schemeClr val="accent1"/>
-          </a:fillRef>
-          <a:effectRef idx="0">
-            <a:schemeClr val="accent1"/>
-          </a:effectRef>
-          <a:fontRef idx="minor">
-            <a:schemeClr val="lt1"/>
-          </a:fontRef>
-        </p:style>
-        <p:txBody>
-          <a:bodyPr rot="0" spcFirstLastPara="0" vertOverflow="overflow" horzOverflow="overflow" vert="horz" wrap="square" lIns="75021" tIns="37511" rIns="75021" bIns="37511" numCol="1" spcCol="0" rtlCol="0" fromWordArt="0" anchor="ctr" anchorCtr="0" forceAA="0" compatLnSpc="1">
-            <a:prstTxWarp prst="textNoShape">
+            </a:prstGeom>
+          </p:spPr>
+          <p:style>
+            <a:lnRef idx="2">
+              <a:schemeClr val="accent1">
+                <a:shade val="50000"/>
+              </a:schemeClr>
+            </a:lnRef>
+            <a:fillRef idx="1">
+              <a:schemeClr val="accent1"/>
+            </a:fillRef>
+            <a:effectRef idx="0">
+              <a:schemeClr val="accent1"/>
+            </a:effectRef>
+            <a:fontRef idx="minor">
+              <a:schemeClr val="lt1"/>
+            </a:fontRef>
+          </p:style>
+          <p:txBody>
+            <a:bodyPr rot="0" spcFirstLastPara="0" vertOverflow="overflow" horzOverflow="overflow" vert="horz" wrap="square" lIns="75021" tIns="37511" rIns="75021" bIns="37511" numCol="1" spcCol="0" rtlCol="0" fromWordArt="0" anchor="ctr" anchorCtr="0" forceAA="0" compatLnSpc="1">
+              <a:prstTxWarp prst="textNoShape">
+                <a:avLst/>
+              </a:prstTxWarp>
+              <a:noAutofit/>
+            </a:bodyPr>
+            <a:lstStyle/>
+            <a:p>
+              <a:pPr algn="ctr"/>
+              <a:r>
+                <a:rPr lang="fr-CA" sz="1476" dirty="0"/>
+                <a:t>Mesurer la température interne</a:t>
+              </a:r>
+            </a:p>
+          </p:txBody>
+        </p:sp>
+        <p:sp>
+          <p:nvSpPr>
+            <p:cNvPr id="16" name="Rectangle : coins arrondis 15">
+              <a:extLst>
+                <a:ext uri="{FF2B5EF4-FFF2-40B4-BE49-F238E27FC236}">
+                  <a16:creationId xmlns:a16="http://schemas.microsoft.com/office/drawing/2014/main" id="{C51A7DD4-C88C-488A-9D40-288360DABEDA}"/>
+                </a:ext>
+              </a:extLst>
+            </p:cNvPr>
+            <p:cNvSpPr/>
+            <p:nvPr/>
+          </p:nvSpPr>
+          <p:spPr>
+            <a:xfrm>
+              <a:off x="6920460" y="1731092"/>
+              <a:ext cx="1250352" cy="935045"/>
+            </a:xfrm>
+            <a:prstGeom prst="roundRect">
               <a:avLst/>
-            </a:prstTxWarp>
-            <a:noAutofit/>
-          </a:bodyPr>
-          <a:lstStyle/>
-          <a:p>
-            <a:pPr algn="ctr"/>
-            <a:r>
-              <a:rPr lang="fr-CA" sz="1476" dirty="0"/>
-              <a:t>Mesurer la température externe</a:t>
-            </a:r>
-          </a:p>
-        </p:txBody>
-      </p:sp>
-      <p:sp>
-        <p:nvSpPr>
-          <p:cNvPr id="17" name="Rectangle : coins arrondis 16">
-            <a:extLst>
-              <a:ext uri="{FF2B5EF4-FFF2-40B4-BE49-F238E27FC236}">
-                <a16:creationId xmlns:a16="http://schemas.microsoft.com/office/drawing/2014/main" id="{E64E7805-431F-4910-A778-4D0A06CB5DBD}"/>
-              </a:ext>
-            </a:extLst>
-          </p:cNvPr>
-          <p:cNvSpPr/>
-          <p:nvPr/>
-        </p:nvSpPr>
-        <p:spPr>
-          <a:xfrm>
-            <a:off x="8687952" y="1519429"/>
-            <a:ext cx="1250352" cy="935045"/>
-          </a:xfrm>
-          <a:prstGeom prst="roundRect">
-            <a:avLst/>
-          </a:prstGeom>
-        </p:spPr>
-        <p:style>
-          <a:lnRef idx="2">
-            <a:schemeClr val="accent1">
-              <a:shade val="50000"/>
-            </a:schemeClr>
-          </a:lnRef>
-          <a:fillRef idx="1">
-            <a:schemeClr val="accent1"/>
-          </a:fillRef>
-          <a:effectRef idx="0">
-            <a:schemeClr val="accent1"/>
-          </a:effectRef>
-          <a:fontRef idx="minor">
-            <a:schemeClr val="lt1"/>
-          </a:fontRef>
-        </p:style>
-        <p:txBody>
-          <a:bodyPr rot="0" spcFirstLastPara="0" vertOverflow="overflow" horzOverflow="overflow" vert="horz" wrap="square" lIns="75021" tIns="37511" rIns="75021" bIns="37511" numCol="1" spcCol="0" rtlCol="0" fromWordArt="0" anchor="ctr" anchorCtr="0" forceAA="0" compatLnSpc="1">
-            <a:prstTxWarp prst="textNoShape">
+            </a:prstGeom>
+          </p:spPr>
+          <p:style>
+            <a:lnRef idx="2">
+              <a:schemeClr val="accent1">
+                <a:shade val="50000"/>
+              </a:schemeClr>
+            </a:lnRef>
+            <a:fillRef idx="1">
+              <a:schemeClr val="accent1"/>
+            </a:fillRef>
+            <a:effectRef idx="0">
+              <a:schemeClr val="accent1"/>
+            </a:effectRef>
+            <a:fontRef idx="minor">
+              <a:schemeClr val="lt1"/>
+            </a:fontRef>
+          </p:style>
+          <p:txBody>
+            <a:bodyPr rot="0" spcFirstLastPara="0" vertOverflow="overflow" horzOverflow="overflow" vert="horz" wrap="square" lIns="75021" tIns="37511" rIns="75021" bIns="37511" numCol="1" spcCol="0" rtlCol="0" fromWordArt="0" anchor="ctr" anchorCtr="0" forceAA="0" compatLnSpc="1">
+              <a:prstTxWarp prst="textNoShape">
+                <a:avLst/>
+              </a:prstTxWarp>
+              <a:noAutofit/>
+            </a:bodyPr>
+            <a:lstStyle/>
+            <a:p>
+              <a:pPr algn="ctr"/>
+              <a:r>
+                <a:rPr lang="fr-CA" sz="1476" dirty="0"/>
+                <a:t>Mesurer la température externe</a:t>
+              </a:r>
+            </a:p>
+          </p:txBody>
+        </p:sp>
+        <p:sp>
+          <p:nvSpPr>
+            <p:cNvPr id="17" name="Rectangle : coins arrondis 16">
+              <a:extLst>
+                <a:ext uri="{FF2B5EF4-FFF2-40B4-BE49-F238E27FC236}">
+                  <a16:creationId xmlns:a16="http://schemas.microsoft.com/office/drawing/2014/main" id="{E64E7805-431F-4910-A778-4D0A06CB5DBD}"/>
+                </a:ext>
+              </a:extLst>
+            </p:cNvPr>
+            <p:cNvSpPr/>
+            <p:nvPr/>
+          </p:nvSpPr>
+          <p:spPr>
+            <a:xfrm>
+              <a:off x="8535552" y="1731078"/>
+              <a:ext cx="1250352" cy="935045"/>
+            </a:xfrm>
+            <a:prstGeom prst="roundRect">
               <a:avLst/>
-            </a:prstTxWarp>
-            <a:noAutofit/>
-          </a:bodyPr>
-          <a:lstStyle/>
-          <a:p>
-            <a:pPr algn="ctr"/>
-            <a:r>
-              <a:rPr lang="fr-CA" sz="1476" dirty="0"/>
-              <a:t>Mesurer la date et  l’heure</a:t>
-            </a:r>
-          </a:p>
-        </p:txBody>
-      </p:sp>
-      <p:sp>
-        <p:nvSpPr>
-          <p:cNvPr id="18" name="Rectangle : coins arrondis 17">
-            <a:extLst>
-              <a:ext uri="{FF2B5EF4-FFF2-40B4-BE49-F238E27FC236}">
-                <a16:creationId xmlns:a16="http://schemas.microsoft.com/office/drawing/2014/main" id="{DEAD99BA-527F-423D-8DB7-195BCA914CA9}"/>
-              </a:ext>
-            </a:extLst>
-          </p:cNvPr>
-          <p:cNvSpPr/>
-          <p:nvPr/>
-        </p:nvSpPr>
-        <p:spPr>
-          <a:xfrm>
-            <a:off x="4661465" y="5701122"/>
-            <a:ext cx="1250352" cy="935045"/>
-          </a:xfrm>
-          <a:prstGeom prst="roundRect">
-            <a:avLst/>
-          </a:prstGeom>
-        </p:spPr>
-        <p:style>
-          <a:lnRef idx="2">
-            <a:schemeClr val="accent1">
-              <a:shade val="50000"/>
-            </a:schemeClr>
-          </a:lnRef>
-          <a:fillRef idx="1">
-            <a:schemeClr val="accent1"/>
-          </a:fillRef>
-          <a:effectRef idx="0">
-            <a:schemeClr val="accent1"/>
-          </a:effectRef>
-          <a:fontRef idx="minor">
-            <a:schemeClr val="lt1"/>
-          </a:fontRef>
-        </p:style>
-        <p:txBody>
-          <a:bodyPr rot="0" spcFirstLastPara="0" vertOverflow="overflow" horzOverflow="overflow" vert="horz" wrap="square" lIns="75021" tIns="37511" rIns="75021" bIns="37511" numCol="1" spcCol="0" rtlCol="0" fromWordArt="0" anchor="ctr" anchorCtr="0" forceAA="0" compatLnSpc="1">
-            <a:prstTxWarp prst="textNoShape">
+            </a:prstGeom>
+          </p:spPr>
+          <p:style>
+            <a:lnRef idx="2">
+              <a:schemeClr val="accent1">
+                <a:shade val="50000"/>
+              </a:schemeClr>
+            </a:lnRef>
+            <a:fillRef idx="1">
+              <a:schemeClr val="accent1"/>
+            </a:fillRef>
+            <a:effectRef idx="0">
+              <a:schemeClr val="accent1"/>
+            </a:effectRef>
+            <a:fontRef idx="minor">
+              <a:schemeClr val="lt1"/>
+            </a:fontRef>
+          </p:style>
+          <p:txBody>
+            <a:bodyPr rot="0" spcFirstLastPara="0" vertOverflow="overflow" horzOverflow="overflow" vert="horz" wrap="square" lIns="75021" tIns="37511" rIns="75021" bIns="37511" numCol="1" spcCol="0" rtlCol="0" fromWordArt="0" anchor="ctr" anchorCtr="0" forceAA="0" compatLnSpc="1">
+              <a:prstTxWarp prst="textNoShape">
+                <a:avLst/>
+              </a:prstTxWarp>
+              <a:noAutofit/>
+            </a:bodyPr>
+            <a:lstStyle/>
+            <a:p>
+              <a:pPr algn="ctr"/>
+              <a:r>
+                <a:rPr lang="fr-CA" sz="1476" dirty="0"/>
+                <a:t>Mesurer la date et  l’heure</a:t>
+              </a:r>
+            </a:p>
+          </p:txBody>
+        </p:sp>
+        <p:sp>
+          <p:nvSpPr>
+            <p:cNvPr id="18" name="Rectangle : coins arrondis 17">
+              <a:extLst>
+                <a:ext uri="{FF2B5EF4-FFF2-40B4-BE49-F238E27FC236}">
+                  <a16:creationId xmlns:a16="http://schemas.microsoft.com/office/drawing/2014/main" id="{DEAD99BA-527F-423D-8DB7-195BCA914CA9}"/>
+                </a:ext>
+              </a:extLst>
+            </p:cNvPr>
+            <p:cNvSpPr/>
+            <p:nvPr/>
+          </p:nvSpPr>
+          <p:spPr>
+            <a:xfrm>
+              <a:off x="4509065" y="5912771"/>
+              <a:ext cx="1250352" cy="935045"/>
+            </a:xfrm>
+            <a:prstGeom prst="roundRect">
               <a:avLst/>
-            </a:prstTxWarp>
-            <a:noAutofit/>
-          </a:bodyPr>
-          <a:lstStyle/>
-          <a:p>
-            <a:pPr algn="ctr"/>
-            <a:r>
-              <a:rPr lang="fr-CA" sz="1476" dirty="0"/>
-              <a:t>Assurer un accès sécurisé</a:t>
-            </a:r>
-          </a:p>
-        </p:txBody>
-      </p:sp>
-      <p:sp>
-        <p:nvSpPr>
-          <p:cNvPr id="19" name="Rectangle : coins arrondis 18">
-            <a:extLst>
-              <a:ext uri="{FF2B5EF4-FFF2-40B4-BE49-F238E27FC236}">
-                <a16:creationId xmlns:a16="http://schemas.microsoft.com/office/drawing/2014/main" id="{F5386942-874B-447E-A601-FD81AF5AD24F}"/>
-              </a:ext>
-            </a:extLst>
-          </p:cNvPr>
-          <p:cNvSpPr/>
-          <p:nvPr/>
-        </p:nvSpPr>
-        <p:spPr>
-          <a:xfrm>
-            <a:off x="4661465" y="7004410"/>
-            <a:ext cx="1250352" cy="935045"/>
-          </a:xfrm>
-          <a:prstGeom prst="roundRect">
-            <a:avLst/>
-          </a:prstGeom>
-        </p:spPr>
-        <p:style>
-          <a:lnRef idx="2">
-            <a:schemeClr val="accent2">
-              <a:shade val="50000"/>
-            </a:schemeClr>
-          </a:lnRef>
-          <a:fillRef idx="1">
-            <a:schemeClr val="accent2"/>
-          </a:fillRef>
-          <a:effectRef idx="0">
-            <a:schemeClr val="accent2"/>
-          </a:effectRef>
-          <a:fontRef idx="minor">
-            <a:schemeClr val="lt1"/>
-          </a:fontRef>
-        </p:style>
-        <p:txBody>
-          <a:bodyPr rot="0" spcFirstLastPara="0" vertOverflow="overflow" horzOverflow="overflow" vert="horz" wrap="square" lIns="75021" tIns="37511" rIns="75021" bIns="37511" numCol="1" spcCol="0" rtlCol="0" fromWordArt="0" anchor="ctr" anchorCtr="0" forceAA="0" compatLnSpc="1">
-            <a:prstTxWarp prst="textNoShape">
+            </a:prstGeom>
+          </p:spPr>
+          <p:style>
+            <a:lnRef idx="2">
+              <a:schemeClr val="accent1">
+                <a:shade val="50000"/>
+              </a:schemeClr>
+            </a:lnRef>
+            <a:fillRef idx="1">
+              <a:schemeClr val="accent1"/>
+            </a:fillRef>
+            <a:effectRef idx="0">
+              <a:schemeClr val="accent1"/>
+            </a:effectRef>
+            <a:fontRef idx="minor">
+              <a:schemeClr val="lt1"/>
+            </a:fontRef>
+          </p:style>
+          <p:txBody>
+            <a:bodyPr rot="0" spcFirstLastPara="0" vertOverflow="overflow" horzOverflow="overflow" vert="horz" wrap="square" lIns="75021" tIns="37511" rIns="75021" bIns="37511" numCol="1" spcCol="0" rtlCol="0" fromWordArt="0" anchor="ctr" anchorCtr="0" forceAA="0" compatLnSpc="1">
+              <a:prstTxWarp prst="textNoShape">
+                <a:avLst/>
+              </a:prstTxWarp>
+              <a:noAutofit/>
+            </a:bodyPr>
+            <a:lstStyle/>
+            <a:p>
+              <a:pPr algn="ctr"/>
+              <a:r>
+                <a:rPr lang="fr-CA" sz="1476" dirty="0"/>
+                <a:t>Afficher les données</a:t>
+              </a:r>
+            </a:p>
+          </p:txBody>
+        </p:sp>
+        <p:sp>
+          <p:nvSpPr>
+            <p:cNvPr id="20" name="Rectangle : coins arrondis 19">
+              <a:extLst>
+                <a:ext uri="{FF2B5EF4-FFF2-40B4-BE49-F238E27FC236}">
+                  <a16:creationId xmlns:a16="http://schemas.microsoft.com/office/drawing/2014/main" id="{6AA11B7A-4958-4F47-9483-8CE6BCA68B9B}"/>
+                </a:ext>
+              </a:extLst>
+            </p:cNvPr>
+            <p:cNvSpPr/>
+            <p:nvPr/>
+          </p:nvSpPr>
+          <p:spPr>
+            <a:xfrm>
+              <a:off x="6920460" y="8519347"/>
+              <a:ext cx="1250352" cy="935045"/>
+            </a:xfrm>
+            <a:prstGeom prst="roundRect">
               <a:avLst/>
-            </a:prstTxWarp>
-            <a:noAutofit/>
-          </a:bodyPr>
-          <a:lstStyle/>
-          <a:p>
-            <a:pPr algn="ctr"/>
-            <a:r>
-              <a:rPr lang="fr-CA" sz="1476" dirty="0"/>
-              <a:t>Base de données</a:t>
-            </a:r>
-          </a:p>
-        </p:txBody>
-      </p:sp>
-      <p:sp>
-        <p:nvSpPr>
-          <p:cNvPr id="20" name="Rectangle : coins arrondis 19">
-            <a:extLst>
-              <a:ext uri="{FF2B5EF4-FFF2-40B4-BE49-F238E27FC236}">
-                <a16:creationId xmlns:a16="http://schemas.microsoft.com/office/drawing/2014/main" id="{6AA11B7A-4958-4F47-9483-8CE6BCA68B9B}"/>
-              </a:ext>
-            </a:extLst>
-          </p:cNvPr>
-          <p:cNvSpPr/>
-          <p:nvPr/>
-        </p:nvSpPr>
-        <p:spPr>
-          <a:xfrm>
-            <a:off x="7072860" y="7004409"/>
-            <a:ext cx="1250352" cy="935045"/>
-          </a:xfrm>
-          <a:prstGeom prst="roundRect">
-            <a:avLst/>
-          </a:prstGeom>
-        </p:spPr>
-        <p:style>
-          <a:lnRef idx="2">
-            <a:schemeClr val="accent2">
-              <a:shade val="50000"/>
-            </a:schemeClr>
-          </a:lnRef>
-          <a:fillRef idx="1">
-            <a:schemeClr val="accent2"/>
-          </a:fillRef>
-          <a:effectRef idx="0">
-            <a:schemeClr val="accent2"/>
-          </a:effectRef>
-          <a:fontRef idx="minor">
-            <a:schemeClr val="lt1"/>
-          </a:fontRef>
-        </p:style>
-        <p:txBody>
-          <a:bodyPr rot="0" spcFirstLastPara="0" vertOverflow="overflow" horzOverflow="overflow" vert="horz" wrap="square" lIns="75021" tIns="37511" rIns="75021" bIns="37511" numCol="1" spcCol="0" rtlCol="0" fromWordArt="0" anchor="ctr" anchorCtr="0" forceAA="0" compatLnSpc="1">
-            <a:prstTxWarp prst="textNoShape">
+            </a:prstGeom>
+          </p:spPr>
+          <p:style>
+            <a:lnRef idx="2">
+              <a:schemeClr val="accent2">
+                <a:shade val="50000"/>
+              </a:schemeClr>
+            </a:lnRef>
+            <a:fillRef idx="1">
+              <a:schemeClr val="accent2"/>
+            </a:fillRef>
+            <a:effectRef idx="0">
+              <a:schemeClr val="accent2"/>
+            </a:effectRef>
+            <a:fontRef idx="minor">
+              <a:schemeClr val="lt1"/>
+            </a:fontRef>
+          </p:style>
+          <p:txBody>
+            <a:bodyPr rot="0" spcFirstLastPara="0" vertOverflow="overflow" horzOverflow="overflow" vert="horz" wrap="square" lIns="75021" tIns="37511" rIns="75021" bIns="37511" numCol="1" spcCol="0" rtlCol="0" fromWordArt="0" anchor="ctr" anchorCtr="0" forceAA="0" compatLnSpc="1">
+              <a:prstTxWarp prst="textNoShape">
+                <a:avLst/>
+              </a:prstTxWarp>
+              <a:noAutofit/>
+            </a:bodyPr>
+            <a:lstStyle/>
+            <a:p>
+              <a:pPr algn="ctr"/>
+              <a:r>
+                <a:rPr lang="fr-CA" sz="1476" dirty="0"/>
+                <a:t>Alarme</a:t>
+              </a:r>
+            </a:p>
+          </p:txBody>
+        </p:sp>
+        <p:cxnSp>
+          <p:nvCxnSpPr>
+            <p:cNvPr id="22" name="Connecteur droit 21">
+              <a:extLst>
+                <a:ext uri="{FF2B5EF4-FFF2-40B4-BE49-F238E27FC236}">
+                  <a16:creationId xmlns:a16="http://schemas.microsoft.com/office/drawing/2014/main" id="{CA4FE8BF-B744-4575-9F03-883A7A03EB2D}"/>
+                </a:ext>
+              </a:extLst>
+            </p:cNvPr>
+            <p:cNvCxnSpPr>
+              <a:cxnSpLocks/>
+              <a:endCxn id="4" idx="2"/>
+            </p:cNvCxnSpPr>
+            <p:nvPr/>
+          </p:nvCxnSpPr>
+          <p:spPr>
+            <a:xfrm flipV="1">
+              <a:off x="1109103" y="1362846"/>
+              <a:ext cx="6153" cy="3784624"/>
+            </a:xfrm>
+            <a:prstGeom prst="line">
               <a:avLst/>
-            </a:prstTxWarp>
-            <a:noAutofit/>
-          </a:bodyPr>
-          <a:lstStyle/>
-          <a:p>
-            <a:pPr algn="ctr"/>
-            <a:r>
-              <a:rPr lang="fr-CA" sz="1476" dirty="0"/>
-              <a:t>Alarme</a:t>
-            </a:r>
-          </a:p>
-        </p:txBody>
-      </p:sp>
-      <p:cxnSp>
-        <p:nvCxnSpPr>
-          <p:cNvPr id="22" name="Connecteur droit 21">
-            <a:extLst>
-              <a:ext uri="{FF2B5EF4-FFF2-40B4-BE49-F238E27FC236}">
-                <a16:creationId xmlns:a16="http://schemas.microsoft.com/office/drawing/2014/main" id="{CA4FE8BF-B744-4575-9F03-883A7A03EB2D}"/>
-              </a:ext>
-            </a:extLst>
-          </p:cNvPr>
-          <p:cNvCxnSpPr>
-            <a:cxnSpLocks/>
-            <a:endCxn id="4" idx="2"/>
-          </p:cNvCxnSpPr>
-          <p:nvPr/>
-        </p:nvCxnSpPr>
-        <p:spPr>
-          <a:xfrm flipV="1">
-            <a:off x="1261502" y="1151198"/>
-            <a:ext cx="6153" cy="3784624"/>
-          </a:xfrm>
-          <a:prstGeom prst="line">
-            <a:avLst/>
-          </a:prstGeom>
-        </p:spPr>
-        <p:style>
-          <a:lnRef idx="1">
-            <a:schemeClr val="accent1"/>
-          </a:lnRef>
-          <a:fillRef idx="0">
-            <a:schemeClr val="accent1"/>
-          </a:fillRef>
-          <a:effectRef idx="0">
-            <a:schemeClr val="accent1"/>
-          </a:effectRef>
-          <a:fontRef idx="minor">
-            <a:schemeClr val="tx1"/>
-          </a:fontRef>
-        </p:style>
-      </p:cxnSp>
-      <p:cxnSp>
-        <p:nvCxnSpPr>
-          <p:cNvPr id="27" name="Connecteur droit avec flèche 26">
-            <a:extLst>
-              <a:ext uri="{FF2B5EF4-FFF2-40B4-BE49-F238E27FC236}">
-                <a16:creationId xmlns:a16="http://schemas.microsoft.com/office/drawing/2014/main" id="{B4F39FA3-3AC9-4EBA-B2F8-7FC54B1051C9}"/>
-              </a:ext>
-            </a:extLst>
-          </p:cNvPr>
-          <p:cNvCxnSpPr>
-            <a:cxnSpLocks/>
-            <a:stCxn id="6" idx="2"/>
-            <a:endCxn id="10" idx="0"/>
-          </p:cNvCxnSpPr>
-          <p:nvPr/>
-        </p:nvCxnSpPr>
-        <p:spPr>
-          <a:xfrm>
-            <a:off x="2875249" y="1151198"/>
-            <a:ext cx="7487" cy="368242"/>
-          </a:xfrm>
-          <a:prstGeom prst="straightConnector1">
-            <a:avLst/>
-          </a:prstGeom>
-          <a:ln>
-            <a:tailEnd type="triangle"/>
-          </a:ln>
-        </p:spPr>
-        <p:style>
-          <a:lnRef idx="1">
-            <a:schemeClr val="accent1"/>
-          </a:lnRef>
-          <a:fillRef idx="0">
-            <a:schemeClr val="accent1"/>
-          </a:fillRef>
-          <a:effectRef idx="0">
-            <a:schemeClr val="accent1"/>
-          </a:effectRef>
-          <a:fontRef idx="minor">
-            <a:schemeClr val="tx1"/>
-          </a:fontRef>
-        </p:style>
-      </p:cxnSp>
-      <p:cxnSp>
-        <p:nvCxnSpPr>
-          <p:cNvPr id="32" name="Connecteur droit avec flèche 31">
-            <a:extLst>
-              <a:ext uri="{FF2B5EF4-FFF2-40B4-BE49-F238E27FC236}">
-                <a16:creationId xmlns:a16="http://schemas.microsoft.com/office/drawing/2014/main" id="{9804124F-4139-4AB5-B81D-957E5C65401F}"/>
-              </a:ext>
-            </a:extLst>
-          </p:cNvPr>
-          <p:cNvCxnSpPr>
-            <a:stCxn id="8" idx="2"/>
-            <a:endCxn id="15" idx="0"/>
-          </p:cNvCxnSpPr>
-          <p:nvPr/>
-        </p:nvCxnSpPr>
-        <p:spPr>
-          <a:xfrm>
-            <a:off x="6090442" y="1151206"/>
-            <a:ext cx="7485" cy="368237"/>
-          </a:xfrm>
-          <a:prstGeom prst="straightConnector1">
-            <a:avLst/>
-          </a:prstGeom>
-          <a:ln>
-            <a:tailEnd type="triangle"/>
-          </a:ln>
-        </p:spPr>
-        <p:style>
-          <a:lnRef idx="1">
-            <a:schemeClr val="accent1"/>
-          </a:lnRef>
-          <a:fillRef idx="0">
-            <a:schemeClr val="accent1"/>
-          </a:fillRef>
-          <a:effectRef idx="0">
-            <a:schemeClr val="accent1"/>
-          </a:effectRef>
-          <a:fontRef idx="minor">
-            <a:schemeClr val="tx1"/>
-          </a:fontRef>
-        </p:style>
-      </p:cxnSp>
-      <p:cxnSp>
-        <p:nvCxnSpPr>
-          <p:cNvPr id="34" name="Connecteur droit avec flèche 33">
-            <a:extLst>
-              <a:ext uri="{FF2B5EF4-FFF2-40B4-BE49-F238E27FC236}">
-                <a16:creationId xmlns:a16="http://schemas.microsoft.com/office/drawing/2014/main" id="{9CB8055A-47F7-4675-8FCA-E3CAC3B53E02}"/>
-              </a:ext>
-            </a:extLst>
-          </p:cNvPr>
-          <p:cNvCxnSpPr>
-            <a:stCxn id="9" idx="2"/>
-            <a:endCxn id="16" idx="0"/>
-          </p:cNvCxnSpPr>
-          <p:nvPr/>
-        </p:nvCxnSpPr>
-        <p:spPr>
-          <a:xfrm>
-            <a:off x="7698035" y="1151206"/>
-            <a:ext cx="0" cy="368237"/>
-          </a:xfrm>
-          <a:prstGeom prst="straightConnector1">
-            <a:avLst/>
-          </a:prstGeom>
-          <a:ln>
-            <a:tailEnd type="triangle"/>
-          </a:ln>
-        </p:spPr>
-        <p:style>
-          <a:lnRef idx="1">
-            <a:schemeClr val="accent1"/>
-          </a:lnRef>
-          <a:fillRef idx="0">
-            <a:schemeClr val="accent1"/>
-          </a:fillRef>
-          <a:effectRef idx="0">
-            <a:schemeClr val="accent1"/>
-          </a:effectRef>
-          <a:fontRef idx="minor">
-            <a:schemeClr val="tx1"/>
-          </a:fontRef>
-        </p:style>
-      </p:cxnSp>
-      <p:cxnSp>
-        <p:nvCxnSpPr>
-          <p:cNvPr id="36" name="Connecteur droit avec flèche 35">
-            <a:extLst>
-              <a:ext uri="{FF2B5EF4-FFF2-40B4-BE49-F238E27FC236}">
-                <a16:creationId xmlns:a16="http://schemas.microsoft.com/office/drawing/2014/main" id="{697DF67E-509D-45F1-93A1-88BD982E8CCE}"/>
-              </a:ext>
-            </a:extLst>
-          </p:cNvPr>
-          <p:cNvCxnSpPr>
-            <a:stCxn id="5" idx="2"/>
-            <a:endCxn id="17" idx="0"/>
-          </p:cNvCxnSpPr>
-          <p:nvPr/>
-        </p:nvCxnSpPr>
-        <p:spPr>
-          <a:xfrm>
-            <a:off x="9305632" y="1151204"/>
-            <a:ext cx="7497" cy="368224"/>
-          </a:xfrm>
-          <a:prstGeom prst="straightConnector1">
-            <a:avLst/>
-          </a:prstGeom>
-          <a:ln>
-            <a:tailEnd type="triangle"/>
-          </a:ln>
-        </p:spPr>
-        <p:style>
-          <a:lnRef idx="1">
-            <a:schemeClr val="accent1"/>
-          </a:lnRef>
-          <a:fillRef idx="0">
-            <a:schemeClr val="accent1"/>
-          </a:fillRef>
-          <a:effectRef idx="0">
-            <a:schemeClr val="accent1"/>
-          </a:effectRef>
-          <a:fontRef idx="minor">
-            <a:schemeClr val="tx1"/>
-          </a:fontRef>
-        </p:style>
-      </p:cxnSp>
-      <p:cxnSp>
-        <p:nvCxnSpPr>
-          <p:cNvPr id="43" name="Connecteur droit avec flèche 42">
-            <a:extLst>
-              <a:ext uri="{FF2B5EF4-FFF2-40B4-BE49-F238E27FC236}">
-                <a16:creationId xmlns:a16="http://schemas.microsoft.com/office/drawing/2014/main" id="{03034931-835B-4C04-B353-46DA5BE70E14}"/>
-              </a:ext>
-            </a:extLst>
-          </p:cNvPr>
-          <p:cNvCxnSpPr>
-            <a:stCxn id="13" idx="2"/>
-            <a:endCxn id="18" idx="0"/>
-          </p:cNvCxnSpPr>
-          <p:nvPr/>
-        </p:nvCxnSpPr>
-        <p:spPr>
-          <a:xfrm>
-            <a:off x="5286640" y="5403346"/>
-            <a:ext cx="0" cy="297776"/>
-          </a:xfrm>
-          <a:prstGeom prst="straightConnector1">
-            <a:avLst/>
-          </a:prstGeom>
-          <a:ln>
-            <a:tailEnd type="triangle"/>
-          </a:ln>
-        </p:spPr>
-        <p:style>
-          <a:lnRef idx="1">
-            <a:schemeClr val="accent1"/>
-          </a:lnRef>
-          <a:fillRef idx="0">
-            <a:schemeClr val="accent1"/>
-          </a:fillRef>
-          <a:effectRef idx="0">
-            <a:schemeClr val="accent1"/>
-          </a:effectRef>
-          <a:fontRef idx="minor">
-            <a:schemeClr val="tx1"/>
-          </a:fontRef>
-        </p:style>
-      </p:cxnSp>
-      <p:cxnSp>
-        <p:nvCxnSpPr>
-          <p:cNvPr id="45" name="Connecteur droit avec flèche 44">
-            <a:extLst>
-              <a:ext uri="{FF2B5EF4-FFF2-40B4-BE49-F238E27FC236}">
-                <a16:creationId xmlns:a16="http://schemas.microsoft.com/office/drawing/2014/main" id="{B7965564-7AEA-4DD5-94CD-F200C1E788E6}"/>
-              </a:ext>
-            </a:extLst>
-          </p:cNvPr>
-          <p:cNvCxnSpPr>
-            <a:cxnSpLocks/>
-            <a:stCxn id="18" idx="2"/>
-            <a:endCxn id="19" idx="0"/>
-          </p:cNvCxnSpPr>
-          <p:nvPr/>
-        </p:nvCxnSpPr>
-        <p:spPr>
-          <a:xfrm>
-            <a:off x="5286640" y="6636167"/>
-            <a:ext cx="0" cy="368243"/>
-          </a:xfrm>
-          <a:prstGeom prst="straightConnector1">
-            <a:avLst/>
-          </a:prstGeom>
-          <a:ln>
-            <a:tailEnd type="triangle"/>
-          </a:ln>
-        </p:spPr>
-        <p:style>
-          <a:lnRef idx="1">
-            <a:schemeClr val="accent1"/>
-          </a:lnRef>
-          <a:fillRef idx="0">
-            <a:schemeClr val="accent1"/>
-          </a:fillRef>
-          <a:effectRef idx="0">
-            <a:schemeClr val="accent1"/>
-          </a:effectRef>
-          <a:fontRef idx="minor">
-            <a:schemeClr val="tx1"/>
-          </a:fontRef>
-        </p:style>
-      </p:cxnSp>
-      <p:cxnSp>
-        <p:nvCxnSpPr>
-          <p:cNvPr id="47" name="Connecteur droit avec flèche 46">
-            <a:extLst>
-              <a:ext uri="{FF2B5EF4-FFF2-40B4-BE49-F238E27FC236}">
-                <a16:creationId xmlns:a16="http://schemas.microsoft.com/office/drawing/2014/main" id="{E82F863E-0204-4288-9007-FEF40FE78ACF}"/>
-              </a:ext>
-            </a:extLst>
-          </p:cNvPr>
-          <p:cNvCxnSpPr>
-            <a:cxnSpLocks/>
-            <a:stCxn id="14" idx="1"/>
-            <a:endCxn id="10" idx="3"/>
-          </p:cNvCxnSpPr>
-          <p:nvPr/>
-        </p:nvCxnSpPr>
-        <p:spPr>
-          <a:xfrm flipH="1" flipV="1">
-            <a:off x="3507912" y="1986966"/>
-            <a:ext cx="349757" cy="1"/>
-          </a:xfrm>
-          <a:prstGeom prst="straightConnector1">
-            <a:avLst/>
-          </a:prstGeom>
-          <a:ln>
-            <a:tailEnd type="triangle"/>
-          </a:ln>
-        </p:spPr>
-        <p:style>
-          <a:lnRef idx="1">
-            <a:schemeClr val="accent1"/>
-          </a:lnRef>
-          <a:fillRef idx="0">
-            <a:schemeClr val="accent1"/>
-          </a:fillRef>
-          <a:effectRef idx="0">
-            <a:schemeClr val="accent1"/>
-          </a:effectRef>
-          <a:fontRef idx="minor">
-            <a:schemeClr val="tx1"/>
-          </a:fontRef>
-        </p:style>
-      </p:cxnSp>
-      <p:cxnSp>
-        <p:nvCxnSpPr>
-          <p:cNvPr id="49" name="Connecteur droit avec flèche 48">
-            <a:extLst>
-              <a:ext uri="{FF2B5EF4-FFF2-40B4-BE49-F238E27FC236}">
-                <a16:creationId xmlns:a16="http://schemas.microsoft.com/office/drawing/2014/main" id="{5CC47B17-212C-42C6-A897-0A1762A16E76}"/>
-              </a:ext>
-            </a:extLst>
-          </p:cNvPr>
-          <p:cNvCxnSpPr>
-            <a:cxnSpLocks/>
-            <a:stCxn id="16" idx="2"/>
-            <a:endCxn id="20" idx="0"/>
-          </p:cNvCxnSpPr>
-          <p:nvPr/>
-        </p:nvCxnSpPr>
-        <p:spPr>
-          <a:xfrm>
-            <a:off x="7698035" y="2454486"/>
-            <a:ext cx="0" cy="4549922"/>
-          </a:xfrm>
-          <a:prstGeom prst="straightConnector1">
-            <a:avLst/>
-          </a:prstGeom>
-          <a:ln>
-            <a:tailEnd type="triangle"/>
-          </a:ln>
-        </p:spPr>
-        <p:style>
-          <a:lnRef idx="1">
-            <a:schemeClr val="accent1"/>
-          </a:lnRef>
-          <a:fillRef idx="0">
-            <a:schemeClr val="accent1"/>
-          </a:fillRef>
-          <a:effectRef idx="0">
-            <a:schemeClr val="accent1"/>
-          </a:effectRef>
-          <a:fontRef idx="minor">
-            <a:schemeClr val="tx1"/>
-          </a:fontRef>
-        </p:style>
-      </p:cxnSp>
-      <p:cxnSp>
-        <p:nvCxnSpPr>
-          <p:cNvPr id="51" name="Connecteur droit 50">
-            <a:extLst>
-              <a:ext uri="{FF2B5EF4-FFF2-40B4-BE49-F238E27FC236}">
-                <a16:creationId xmlns:a16="http://schemas.microsoft.com/office/drawing/2014/main" id="{1A67DEDF-8EEC-45A7-859F-5908F2CE6AA7}"/>
-              </a:ext>
-            </a:extLst>
-          </p:cNvPr>
-          <p:cNvCxnSpPr>
-            <a:cxnSpLocks/>
-            <a:stCxn id="15" idx="2"/>
-          </p:cNvCxnSpPr>
-          <p:nvPr/>
-        </p:nvCxnSpPr>
-        <p:spPr>
-          <a:xfrm>
-            <a:off x="6097938" y="2454475"/>
-            <a:ext cx="4075" cy="788263"/>
-          </a:xfrm>
-          <a:prstGeom prst="line">
-            <a:avLst/>
-          </a:prstGeom>
-        </p:spPr>
-        <p:style>
-          <a:lnRef idx="1">
-            <a:schemeClr val="accent1"/>
-          </a:lnRef>
-          <a:fillRef idx="0">
-            <a:schemeClr val="accent1"/>
-          </a:fillRef>
-          <a:effectRef idx="0">
-            <a:schemeClr val="accent1"/>
-          </a:effectRef>
-          <a:fontRef idx="minor">
-            <a:schemeClr val="tx1"/>
-          </a:fontRef>
-        </p:style>
-      </p:cxnSp>
-      <p:cxnSp>
-        <p:nvCxnSpPr>
-          <p:cNvPr id="53" name="Connecteur droit 52">
-            <a:extLst>
-              <a:ext uri="{FF2B5EF4-FFF2-40B4-BE49-F238E27FC236}">
-                <a16:creationId xmlns:a16="http://schemas.microsoft.com/office/drawing/2014/main" id="{90DCB1D1-6DD0-4059-9B95-F1636AB4C44F}"/>
-              </a:ext>
-            </a:extLst>
-          </p:cNvPr>
-          <p:cNvCxnSpPr>
-            <a:cxnSpLocks/>
-            <a:stCxn id="17" idx="2"/>
-          </p:cNvCxnSpPr>
-          <p:nvPr/>
-        </p:nvCxnSpPr>
-        <p:spPr>
-          <a:xfrm>
-            <a:off x="9313127" y="2454475"/>
-            <a:ext cx="0" cy="788263"/>
-          </a:xfrm>
-          <a:prstGeom prst="line">
-            <a:avLst/>
-          </a:prstGeom>
-        </p:spPr>
-        <p:style>
-          <a:lnRef idx="1">
-            <a:schemeClr val="accent1"/>
-          </a:lnRef>
-          <a:fillRef idx="0">
-            <a:schemeClr val="accent1"/>
-          </a:fillRef>
-          <a:effectRef idx="0">
-            <a:schemeClr val="accent1"/>
-          </a:effectRef>
-          <a:fontRef idx="minor">
-            <a:schemeClr val="tx1"/>
-          </a:fontRef>
-        </p:style>
-      </p:cxnSp>
-      <p:cxnSp>
-        <p:nvCxnSpPr>
-          <p:cNvPr id="59" name="Connecteur droit 58">
-            <a:extLst>
-              <a:ext uri="{FF2B5EF4-FFF2-40B4-BE49-F238E27FC236}">
-                <a16:creationId xmlns:a16="http://schemas.microsoft.com/office/drawing/2014/main" id="{5FE46591-37C9-460C-A84C-F43618D83C0F}"/>
-              </a:ext>
-            </a:extLst>
-          </p:cNvPr>
-          <p:cNvCxnSpPr>
-            <a:cxnSpLocks/>
-          </p:cNvCxnSpPr>
-          <p:nvPr/>
-        </p:nvCxnSpPr>
-        <p:spPr>
-          <a:xfrm>
-            <a:off x="6097924" y="3242736"/>
-            <a:ext cx="3213858" cy="0"/>
-          </a:xfrm>
-          <a:prstGeom prst="line">
-            <a:avLst/>
-          </a:prstGeom>
-        </p:spPr>
-        <p:style>
-          <a:lnRef idx="1">
-            <a:schemeClr val="accent1"/>
-          </a:lnRef>
-          <a:fillRef idx="0">
-            <a:schemeClr val="accent1"/>
-          </a:fillRef>
-          <a:effectRef idx="0">
-            <a:schemeClr val="accent1"/>
-          </a:effectRef>
-          <a:fontRef idx="minor">
-            <a:schemeClr val="tx1"/>
-          </a:fontRef>
-        </p:style>
-      </p:cxnSp>
-      <p:cxnSp>
-        <p:nvCxnSpPr>
-          <p:cNvPr id="208" name="Connecteur droit avec flèche 207">
-            <a:extLst>
-              <a:ext uri="{FF2B5EF4-FFF2-40B4-BE49-F238E27FC236}">
-                <a16:creationId xmlns:a16="http://schemas.microsoft.com/office/drawing/2014/main" id="{D1A4BB03-8251-4DC4-9F07-9C770993DEBD}"/>
-              </a:ext>
-            </a:extLst>
-          </p:cNvPr>
-          <p:cNvCxnSpPr>
-            <a:cxnSpLocks/>
-            <a:endCxn id="12" idx="1"/>
-          </p:cNvCxnSpPr>
-          <p:nvPr/>
-        </p:nvCxnSpPr>
-        <p:spPr>
-          <a:xfrm>
-            <a:off x="1261520" y="4935824"/>
-            <a:ext cx="996039" cy="0"/>
-          </a:xfrm>
-          <a:prstGeom prst="straightConnector1">
-            <a:avLst/>
-          </a:prstGeom>
-          <a:ln>
-            <a:tailEnd type="triangle"/>
-          </a:ln>
-        </p:spPr>
-        <p:style>
-          <a:lnRef idx="1">
-            <a:schemeClr val="accent1"/>
-          </a:lnRef>
-          <a:fillRef idx="0">
-            <a:schemeClr val="accent1"/>
-          </a:fillRef>
-          <a:effectRef idx="0">
-            <a:schemeClr val="accent1"/>
-          </a:effectRef>
-          <a:fontRef idx="minor">
-            <a:schemeClr val="tx1"/>
-          </a:fontRef>
-        </p:style>
-      </p:cxnSp>
-      <p:cxnSp>
-        <p:nvCxnSpPr>
-          <p:cNvPr id="214" name="Connecteur droit avec flèche 213">
-            <a:extLst>
-              <a:ext uri="{FF2B5EF4-FFF2-40B4-BE49-F238E27FC236}">
-                <a16:creationId xmlns:a16="http://schemas.microsoft.com/office/drawing/2014/main" id="{FF95CE98-AF75-4092-B8AD-4DAB0096E3C6}"/>
-              </a:ext>
-            </a:extLst>
-          </p:cNvPr>
-          <p:cNvCxnSpPr>
-            <a:stCxn id="10" idx="2"/>
-            <a:endCxn id="11" idx="0"/>
-          </p:cNvCxnSpPr>
-          <p:nvPr/>
-        </p:nvCxnSpPr>
-        <p:spPr>
-          <a:xfrm>
-            <a:off x="2882736" y="2454487"/>
-            <a:ext cx="1847" cy="365682"/>
-          </a:xfrm>
-          <a:prstGeom prst="straightConnector1">
-            <a:avLst/>
-          </a:prstGeom>
-          <a:ln>
-            <a:tailEnd type="triangle"/>
-          </a:ln>
-        </p:spPr>
-        <p:style>
-          <a:lnRef idx="1">
-            <a:schemeClr val="accent1"/>
-          </a:lnRef>
-          <a:fillRef idx="0">
-            <a:schemeClr val="accent1"/>
-          </a:fillRef>
-          <a:effectRef idx="0">
-            <a:schemeClr val="accent1"/>
-          </a:effectRef>
-          <a:fontRef idx="minor">
-            <a:schemeClr val="tx1"/>
-          </a:fontRef>
-        </p:style>
-      </p:cxnSp>
-      <p:cxnSp>
-        <p:nvCxnSpPr>
-          <p:cNvPr id="220" name="Connecteur droit avec flèche 219">
-            <a:extLst>
-              <a:ext uri="{FF2B5EF4-FFF2-40B4-BE49-F238E27FC236}">
-                <a16:creationId xmlns:a16="http://schemas.microsoft.com/office/drawing/2014/main" id="{2D924DB5-3AD3-4D55-BC83-062E7C6E248B}"/>
-              </a:ext>
-            </a:extLst>
-          </p:cNvPr>
-          <p:cNvCxnSpPr>
-            <a:stCxn id="7" idx="2"/>
-            <a:endCxn id="14" idx="0"/>
-          </p:cNvCxnSpPr>
-          <p:nvPr/>
-        </p:nvCxnSpPr>
-        <p:spPr>
-          <a:xfrm>
-            <a:off x="4482844" y="1151203"/>
-            <a:ext cx="0" cy="368238"/>
-          </a:xfrm>
-          <a:prstGeom prst="straightConnector1">
-            <a:avLst/>
-          </a:prstGeom>
-          <a:ln>
-            <a:tailEnd type="triangle"/>
-          </a:ln>
-        </p:spPr>
-        <p:style>
-          <a:lnRef idx="1">
-            <a:schemeClr val="accent1"/>
-          </a:lnRef>
-          <a:fillRef idx="0">
-            <a:schemeClr val="accent1"/>
-          </a:fillRef>
-          <a:effectRef idx="0">
-            <a:schemeClr val="accent1"/>
-          </a:effectRef>
-          <a:fontRef idx="minor">
-            <a:schemeClr val="tx1"/>
-          </a:fontRef>
-        </p:style>
-      </p:cxnSp>
-      <p:cxnSp>
-        <p:nvCxnSpPr>
-          <p:cNvPr id="224" name="Connecteur droit avec flèche 223">
-            <a:extLst>
-              <a:ext uri="{FF2B5EF4-FFF2-40B4-BE49-F238E27FC236}">
-                <a16:creationId xmlns:a16="http://schemas.microsoft.com/office/drawing/2014/main" id="{56F2D609-F062-4017-B521-D888D10E388A}"/>
-              </a:ext>
-            </a:extLst>
-          </p:cNvPr>
-          <p:cNvCxnSpPr>
-            <a:cxnSpLocks/>
-            <a:stCxn id="12" idx="3"/>
-            <a:endCxn id="13" idx="1"/>
-          </p:cNvCxnSpPr>
-          <p:nvPr/>
-        </p:nvCxnSpPr>
-        <p:spPr>
-          <a:xfrm flipV="1">
-            <a:off x="3507911" y="4935825"/>
-            <a:ext cx="1153554" cy="1"/>
-          </a:xfrm>
-          <a:prstGeom prst="straightConnector1">
-            <a:avLst/>
-          </a:prstGeom>
-          <a:ln>
-            <a:tailEnd type="triangle"/>
-          </a:ln>
-        </p:spPr>
-        <p:style>
-          <a:lnRef idx="1">
-            <a:schemeClr val="accent1"/>
-          </a:lnRef>
-          <a:fillRef idx="0">
-            <a:schemeClr val="accent1"/>
-          </a:fillRef>
-          <a:effectRef idx="0">
-            <a:schemeClr val="accent1"/>
-          </a:effectRef>
-          <a:fontRef idx="minor">
-            <a:schemeClr val="tx1"/>
-          </a:fontRef>
-        </p:style>
-      </p:cxnSp>
-      <p:cxnSp>
-        <p:nvCxnSpPr>
-          <p:cNvPr id="227" name="Connecteur droit avec flèche 226">
-            <a:extLst>
-              <a:ext uri="{FF2B5EF4-FFF2-40B4-BE49-F238E27FC236}">
-                <a16:creationId xmlns:a16="http://schemas.microsoft.com/office/drawing/2014/main" id="{9B550DA9-2A5B-440F-BF17-F3C126D1C5C8}"/>
-              </a:ext>
-            </a:extLst>
-          </p:cNvPr>
-          <p:cNvCxnSpPr>
-            <a:stCxn id="11" idx="2"/>
-            <a:endCxn id="12" idx="0"/>
-          </p:cNvCxnSpPr>
-          <p:nvPr/>
-        </p:nvCxnSpPr>
-        <p:spPr>
-          <a:xfrm flipH="1">
-            <a:off x="2882735" y="4027032"/>
-            <a:ext cx="1848" cy="361439"/>
-          </a:xfrm>
-          <a:prstGeom prst="straightConnector1">
-            <a:avLst/>
-          </a:prstGeom>
-          <a:ln>
-            <a:tailEnd type="triangle"/>
-          </a:ln>
-        </p:spPr>
-        <p:style>
-          <a:lnRef idx="1">
-            <a:schemeClr val="accent1"/>
-          </a:lnRef>
-          <a:fillRef idx="0">
-            <a:schemeClr val="accent1"/>
-          </a:fillRef>
-          <a:effectRef idx="0">
-            <a:schemeClr val="accent1"/>
-          </a:effectRef>
-          <a:fontRef idx="minor">
-            <a:schemeClr val="tx1"/>
-          </a:fontRef>
-        </p:style>
-      </p:cxnSp>
+            </a:prstGeom>
+          </p:spPr>
+          <p:style>
+            <a:lnRef idx="1">
+              <a:schemeClr val="accent1"/>
+            </a:lnRef>
+            <a:fillRef idx="0">
+              <a:schemeClr val="accent1"/>
+            </a:fillRef>
+            <a:effectRef idx="0">
+              <a:schemeClr val="accent1"/>
+            </a:effectRef>
+            <a:fontRef idx="minor">
+              <a:schemeClr val="tx1"/>
+            </a:fontRef>
+          </p:style>
+        </p:cxnSp>
+        <p:cxnSp>
+          <p:nvCxnSpPr>
+            <p:cNvPr id="27" name="Connecteur droit avec flèche 26">
+              <a:extLst>
+                <a:ext uri="{FF2B5EF4-FFF2-40B4-BE49-F238E27FC236}">
+                  <a16:creationId xmlns:a16="http://schemas.microsoft.com/office/drawing/2014/main" id="{B4F39FA3-3AC9-4EBA-B2F8-7FC54B1051C9}"/>
+                </a:ext>
+              </a:extLst>
+            </p:cNvPr>
+            <p:cNvCxnSpPr>
+              <a:cxnSpLocks/>
+              <a:stCxn id="6" idx="2"/>
+              <a:endCxn id="10" idx="0"/>
+            </p:cNvCxnSpPr>
+            <p:nvPr/>
+          </p:nvCxnSpPr>
+          <p:spPr>
+            <a:xfrm>
+              <a:off x="2722850" y="1362846"/>
+              <a:ext cx="7487" cy="368242"/>
+            </a:xfrm>
+            <a:prstGeom prst="straightConnector1">
+              <a:avLst/>
+            </a:prstGeom>
+            <a:ln>
+              <a:tailEnd type="triangle"/>
+            </a:ln>
+          </p:spPr>
+          <p:style>
+            <a:lnRef idx="1">
+              <a:schemeClr val="accent1"/>
+            </a:lnRef>
+            <a:fillRef idx="0">
+              <a:schemeClr val="accent1"/>
+            </a:fillRef>
+            <a:effectRef idx="0">
+              <a:schemeClr val="accent1"/>
+            </a:effectRef>
+            <a:fontRef idx="minor">
+              <a:schemeClr val="tx1"/>
+            </a:fontRef>
+          </p:style>
+        </p:cxnSp>
+        <p:cxnSp>
+          <p:nvCxnSpPr>
+            <p:cNvPr id="32" name="Connecteur droit avec flèche 31">
+              <a:extLst>
+                <a:ext uri="{FF2B5EF4-FFF2-40B4-BE49-F238E27FC236}">
+                  <a16:creationId xmlns:a16="http://schemas.microsoft.com/office/drawing/2014/main" id="{9804124F-4139-4AB5-B81D-957E5C65401F}"/>
+                </a:ext>
+              </a:extLst>
+            </p:cNvPr>
+            <p:cNvCxnSpPr>
+              <a:stCxn id="8" idx="2"/>
+              <a:endCxn id="15" idx="0"/>
+            </p:cNvCxnSpPr>
+            <p:nvPr/>
+          </p:nvCxnSpPr>
+          <p:spPr>
+            <a:xfrm>
+              <a:off x="5938043" y="1362855"/>
+              <a:ext cx="7485" cy="368237"/>
+            </a:xfrm>
+            <a:prstGeom prst="straightConnector1">
+              <a:avLst/>
+            </a:prstGeom>
+            <a:ln>
+              <a:tailEnd type="triangle"/>
+            </a:ln>
+          </p:spPr>
+          <p:style>
+            <a:lnRef idx="1">
+              <a:schemeClr val="accent1"/>
+            </a:lnRef>
+            <a:fillRef idx="0">
+              <a:schemeClr val="accent1"/>
+            </a:fillRef>
+            <a:effectRef idx="0">
+              <a:schemeClr val="accent1"/>
+            </a:effectRef>
+            <a:fontRef idx="minor">
+              <a:schemeClr val="tx1"/>
+            </a:fontRef>
+          </p:style>
+        </p:cxnSp>
+        <p:cxnSp>
+          <p:nvCxnSpPr>
+            <p:cNvPr id="34" name="Connecteur droit avec flèche 33">
+              <a:extLst>
+                <a:ext uri="{FF2B5EF4-FFF2-40B4-BE49-F238E27FC236}">
+                  <a16:creationId xmlns:a16="http://schemas.microsoft.com/office/drawing/2014/main" id="{9CB8055A-47F7-4675-8FCA-E3CAC3B53E02}"/>
+                </a:ext>
+              </a:extLst>
+            </p:cNvPr>
+            <p:cNvCxnSpPr>
+              <a:stCxn id="9" idx="2"/>
+              <a:endCxn id="16" idx="0"/>
+            </p:cNvCxnSpPr>
+            <p:nvPr/>
+          </p:nvCxnSpPr>
+          <p:spPr>
+            <a:xfrm>
+              <a:off x="7545635" y="1362855"/>
+              <a:ext cx="0" cy="368237"/>
+            </a:xfrm>
+            <a:prstGeom prst="straightConnector1">
+              <a:avLst/>
+            </a:prstGeom>
+            <a:ln>
+              <a:tailEnd type="triangle"/>
+            </a:ln>
+          </p:spPr>
+          <p:style>
+            <a:lnRef idx="1">
+              <a:schemeClr val="accent1"/>
+            </a:lnRef>
+            <a:fillRef idx="0">
+              <a:schemeClr val="accent1"/>
+            </a:fillRef>
+            <a:effectRef idx="0">
+              <a:schemeClr val="accent1"/>
+            </a:effectRef>
+            <a:fontRef idx="minor">
+              <a:schemeClr val="tx1"/>
+            </a:fontRef>
+          </p:style>
+        </p:cxnSp>
+        <p:cxnSp>
+          <p:nvCxnSpPr>
+            <p:cNvPr id="36" name="Connecteur droit avec flèche 35">
+              <a:extLst>
+                <a:ext uri="{FF2B5EF4-FFF2-40B4-BE49-F238E27FC236}">
+                  <a16:creationId xmlns:a16="http://schemas.microsoft.com/office/drawing/2014/main" id="{697DF67E-509D-45F1-93A1-88BD982E8CCE}"/>
+                </a:ext>
+              </a:extLst>
+            </p:cNvPr>
+            <p:cNvCxnSpPr>
+              <a:stCxn id="5" idx="2"/>
+              <a:endCxn id="17" idx="0"/>
+            </p:cNvCxnSpPr>
+            <p:nvPr/>
+          </p:nvCxnSpPr>
+          <p:spPr>
+            <a:xfrm>
+              <a:off x="9153233" y="1362852"/>
+              <a:ext cx="7497" cy="368224"/>
+            </a:xfrm>
+            <a:prstGeom prst="straightConnector1">
+              <a:avLst/>
+            </a:prstGeom>
+            <a:ln>
+              <a:tailEnd type="triangle"/>
+            </a:ln>
+          </p:spPr>
+          <p:style>
+            <a:lnRef idx="1">
+              <a:schemeClr val="accent1"/>
+            </a:lnRef>
+            <a:fillRef idx="0">
+              <a:schemeClr val="accent1"/>
+            </a:fillRef>
+            <a:effectRef idx="0">
+              <a:schemeClr val="accent1"/>
+            </a:effectRef>
+            <a:fontRef idx="minor">
+              <a:schemeClr val="tx1"/>
+            </a:fontRef>
+          </p:style>
+        </p:cxnSp>
+        <p:cxnSp>
+          <p:nvCxnSpPr>
+            <p:cNvPr id="43" name="Connecteur droit avec flèche 42">
+              <a:extLst>
+                <a:ext uri="{FF2B5EF4-FFF2-40B4-BE49-F238E27FC236}">
+                  <a16:creationId xmlns:a16="http://schemas.microsoft.com/office/drawing/2014/main" id="{03034931-835B-4C04-B353-46DA5BE70E14}"/>
+                </a:ext>
+              </a:extLst>
+            </p:cNvPr>
+            <p:cNvCxnSpPr>
+              <a:stCxn id="13" idx="2"/>
+              <a:endCxn id="18" idx="0"/>
+            </p:cNvCxnSpPr>
+            <p:nvPr/>
+          </p:nvCxnSpPr>
+          <p:spPr>
+            <a:xfrm>
+              <a:off x="5134240" y="5614994"/>
+              <a:ext cx="0" cy="297776"/>
+            </a:xfrm>
+            <a:prstGeom prst="straightConnector1">
+              <a:avLst/>
+            </a:prstGeom>
+            <a:ln>
+              <a:tailEnd type="triangle"/>
+            </a:ln>
+          </p:spPr>
+          <p:style>
+            <a:lnRef idx="1">
+              <a:schemeClr val="accent1"/>
+            </a:lnRef>
+            <a:fillRef idx="0">
+              <a:schemeClr val="accent1"/>
+            </a:fillRef>
+            <a:effectRef idx="0">
+              <a:schemeClr val="accent1"/>
+            </a:effectRef>
+            <a:fontRef idx="minor">
+              <a:schemeClr val="tx1"/>
+            </a:fontRef>
+          </p:style>
+        </p:cxnSp>
+        <p:cxnSp>
+          <p:nvCxnSpPr>
+            <p:cNvPr id="45" name="Connecteur droit avec flèche 44">
+              <a:extLst>
+                <a:ext uri="{FF2B5EF4-FFF2-40B4-BE49-F238E27FC236}">
+                  <a16:creationId xmlns:a16="http://schemas.microsoft.com/office/drawing/2014/main" id="{B7965564-7AEA-4DD5-94CD-F200C1E788E6}"/>
+                </a:ext>
+              </a:extLst>
+            </p:cNvPr>
+            <p:cNvCxnSpPr>
+              <a:cxnSpLocks/>
+              <a:stCxn id="18" idx="2"/>
+            </p:cNvCxnSpPr>
+            <p:nvPr/>
+          </p:nvCxnSpPr>
+          <p:spPr>
+            <a:xfrm>
+              <a:off x="5134240" y="6847816"/>
+              <a:ext cx="0" cy="368243"/>
+            </a:xfrm>
+            <a:prstGeom prst="straightConnector1">
+              <a:avLst/>
+            </a:prstGeom>
+            <a:ln>
+              <a:tailEnd type="triangle"/>
+            </a:ln>
+          </p:spPr>
+          <p:style>
+            <a:lnRef idx="1">
+              <a:schemeClr val="accent1"/>
+            </a:lnRef>
+            <a:fillRef idx="0">
+              <a:schemeClr val="accent1"/>
+            </a:fillRef>
+            <a:effectRef idx="0">
+              <a:schemeClr val="accent1"/>
+            </a:effectRef>
+            <a:fontRef idx="minor">
+              <a:schemeClr val="tx1"/>
+            </a:fontRef>
+          </p:style>
+        </p:cxnSp>
+        <p:cxnSp>
+          <p:nvCxnSpPr>
+            <p:cNvPr id="47" name="Connecteur droit avec flèche 46">
+              <a:extLst>
+                <a:ext uri="{FF2B5EF4-FFF2-40B4-BE49-F238E27FC236}">
+                  <a16:creationId xmlns:a16="http://schemas.microsoft.com/office/drawing/2014/main" id="{E82F863E-0204-4288-9007-FEF40FE78ACF}"/>
+                </a:ext>
+              </a:extLst>
+            </p:cNvPr>
+            <p:cNvCxnSpPr>
+              <a:cxnSpLocks/>
+              <a:stCxn id="14" idx="1"/>
+              <a:endCxn id="10" idx="3"/>
+            </p:cNvCxnSpPr>
+            <p:nvPr/>
+          </p:nvCxnSpPr>
+          <p:spPr>
+            <a:xfrm flipH="1" flipV="1">
+              <a:off x="3355513" y="2198615"/>
+              <a:ext cx="349757" cy="1"/>
+            </a:xfrm>
+            <a:prstGeom prst="straightConnector1">
+              <a:avLst/>
+            </a:prstGeom>
+            <a:ln>
+              <a:tailEnd type="triangle"/>
+            </a:ln>
+          </p:spPr>
+          <p:style>
+            <a:lnRef idx="1">
+              <a:schemeClr val="accent1"/>
+            </a:lnRef>
+            <a:fillRef idx="0">
+              <a:schemeClr val="accent1"/>
+            </a:fillRef>
+            <a:effectRef idx="0">
+              <a:schemeClr val="accent1"/>
+            </a:effectRef>
+            <a:fontRef idx="minor">
+              <a:schemeClr val="tx1"/>
+            </a:fontRef>
+          </p:style>
+        </p:cxnSp>
+        <p:cxnSp>
+          <p:nvCxnSpPr>
+            <p:cNvPr id="49" name="Connecteur droit avec flèche 48">
+              <a:extLst>
+                <a:ext uri="{FF2B5EF4-FFF2-40B4-BE49-F238E27FC236}">
+                  <a16:creationId xmlns:a16="http://schemas.microsoft.com/office/drawing/2014/main" id="{5CC47B17-212C-42C6-A897-0A1762A16E76}"/>
+                </a:ext>
+              </a:extLst>
+            </p:cNvPr>
+            <p:cNvCxnSpPr>
+              <a:cxnSpLocks/>
+              <a:stCxn id="16" idx="2"/>
+              <a:endCxn id="44" idx="0"/>
+            </p:cNvCxnSpPr>
+            <p:nvPr/>
+          </p:nvCxnSpPr>
+          <p:spPr>
+            <a:xfrm flipH="1">
+              <a:off x="7538148" y="2666137"/>
+              <a:ext cx="7488" cy="3575567"/>
+            </a:xfrm>
+            <a:prstGeom prst="straightConnector1">
+              <a:avLst/>
+            </a:prstGeom>
+            <a:ln>
+              <a:tailEnd type="triangle"/>
+            </a:ln>
+          </p:spPr>
+          <p:style>
+            <a:lnRef idx="1">
+              <a:schemeClr val="accent1"/>
+            </a:lnRef>
+            <a:fillRef idx="0">
+              <a:schemeClr val="accent1"/>
+            </a:fillRef>
+            <a:effectRef idx="0">
+              <a:schemeClr val="accent1"/>
+            </a:effectRef>
+            <a:fontRef idx="minor">
+              <a:schemeClr val="tx1"/>
+            </a:fontRef>
+          </p:style>
+        </p:cxnSp>
+        <p:cxnSp>
+          <p:nvCxnSpPr>
+            <p:cNvPr id="51" name="Connecteur droit 50">
+              <a:extLst>
+                <a:ext uri="{FF2B5EF4-FFF2-40B4-BE49-F238E27FC236}">
+                  <a16:creationId xmlns:a16="http://schemas.microsoft.com/office/drawing/2014/main" id="{1A67DEDF-8EEC-45A7-859F-5908F2CE6AA7}"/>
+                </a:ext>
+              </a:extLst>
+            </p:cNvPr>
+            <p:cNvCxnSpPr>
+              <a:cxnSpLocks/>
+              <a:stCxn id="15" idx="2"/>
+            </p:cNvCxnSpPr>
+            <p:nvPr/>
+          </p:nvCxnSpPr>
+          <p:spPr>
+            <a:xfrm>
+              <a:off x="5945539" y="2666124"/>
+              <a:ext cx="4075" cy="788263"/>
+            </a:xfrm>
+            <a:prstGeom prst="line">
+              <a:avLst/>
+            </a:prstGeom>
+          </p:spPr>
+          <p:style>
+            <a:lnRef idx="1">
+              <a:schemeClr val="accent1"/>
+            </a:lnRef>
+            <a:fillRef idx="0">
+              <a:schemeClr val="accent1"/>
+            </a:fillRef>
+            <a:effectRef idx="0">
+              <a:schemeClr val="accent1"/>
+            </a:effectRef>
+            <a:fontRef idx="minor">
+              <a:schemeClr val="tx1"/>
+            </a:fontRef>
+          </p:style>
+        </p:cxnSp>
+        <p:cxnSp>
+          <p:nvCxnSpPr>
+            <p:cNvPr id="53" name="Connecteur droit 52">
+              <a:extLst>
+                <a:ext uri="{FF2B5EF4-FFF2-40B4-BE49-F238E27FC236}">
+                  <a16:creationId xmlns:a16="http://schemas.microsoft.com/office/drawing/2014/main" id="{90DCB1D1-6DD0-4059-9B95-F1636AB4C44F}"/>
+                </a:ext>
+              </a:extLst>
+            </p:cNvPr>
+            <p:cNvCxnSpPr>
+              <a:cxnSpLocks/>
+              <a:stCxn id="17" idx="2"/>
+            </p:cNvCxnSpPr>
+            <p:nvPr/>
+          </p:nvCxnSpPr>
+          <p:spPr>
+            <a:xfrm>
+              <a:off x="9160727" y="2666124"/>
+              <a:ext cx="0" cy="788263"/>
+            </a:xfrm>
+            <a:prstGeom prst="line">
+              <a:avLst/>
+            </a:prstGeom>
+          </p:spPr>
+          <p:style>
+            <a:lnRef idx="1">
+              <a:schemeClr val="accent1"/>
+            </a:lnRef>
+            <a:fillRef idx="0">
+              <a:schemeClr val="accent1"/>
+            </a:fillRef>
+            <a:effectRef idx="0">
+              <a:schemeClr val="accent1"/>
+            </a:effectRef>
+            <a:fontRef idx="minor">
+              <a:schemeClr val="tx1"/>
+            </a:fontRef>
+          </p:style>
+        </p:cxnSp>
+        <p:cxnSp>
+          <p:nvCxnSpPr>
+            <p:cNvPr id="59" name="Connecteur droit 58">
+              <a:extLst>
+                <a:ext uri="{FF2B5EF4-FFF2-40B4-BE49-F238E27FC236}">
+                  <a16:creationId xmlns:a16="http://schemas.microsoft.com/office/drawing/2014/main" id="{5FE46591-37C9-460C-A84C-F43618D83C0F}"/>
+                </a:ext>
+              </a:extLst>
+            </p:cNvPr>
+            <p:cNvCxnSpPr>
+              <a:cxnSpLocks/>
+            </p:cNvCxnSpPr>
+            <p:nvPr/>
+          </p:nvCxnSpPr>
+          <p:spPr>
+            <a:xfrm>
+              <a:off x="5945524" y="3454384"/>
+              <a:ext cx="3213858" cy="0"/>
+            </a:xfrm>
+            <a:prstGeom prst="line">
+              <a:avLst/>
+            </a:prstGeom>
+          </p:spPr>
+          <p:style>
+            <a:lnRef idx="1">
+              <a:schemeClr val="accent1"/>
+            </a:lnRef>
+            <a:fillRef idx="0">
+              <a:schemeClr val="accent1"/>
+            </a:fillRef>
+            <a:effectRef idx="0">
+              <a:schemeClr val="accent1"/>
+            </a:effectRef>
+            <a:fontRef idx="minor">
+              <a:schemeClr val="tx1"/>
+            </a:fontRef>
+          </p:style>
+        </p:cxnSp>
+        <p:cxnSp>
+          <p:nvCxnSpPr>
+            <p:cNvPr id="208" name="Connecteur droit avec flèche 207">
+              <a:extLst>
+                <a:ext uri="{FF2B5EF4-FFF2-40B4-BE49-F238E27FC236}">
+                  <a16:creationId xmlns:a16="http://schemas.microsoft.com/office/drawing/2014/main" id="{D1A4BB03-8251-4DC4-9F07-9C770993DEBD}"/>
+                </a:ext>
+              </a:extLst>
+            </p:cNvPr>
+            <p:cNvCxnSpPr>
+              <a:cxnSpLocks/>
+              <a:endCxn id="12" idx="1"/>
+            </p:cNvCxnSpPr>
+            <p:nvPr/>
+          </p:nvCxnSpPr>
+          <p:spPr>
+            <a:xfrm>
+              <a:off x="1109121" y="5147472"/>
+              <a:ext cx="996039" cy="0"/>
+            </a:xfrm>
+            <a:prstGeom prst="straightConnector1">
+              <a:avLst/>
+            </a:prstGeom>
+            <a:ln>
+              <a:tailEnd type="triangle"/>
+            </a:ln>
+          </p:spPr>
+          <p:style>
+            <a:lnRef idx="1">
+              <a:schemeClr val="accent1"/>
+            </a:lnRef>
+            <a:fillRef idx="0">
+              <a:schemeClr val="accent1"/>
+            </a:fillRef>
+            <a:effectRef idx="0">
+              <a:schemeClr val="accent1"/>
+            </a:effectRef>
+            <a:fontRef idx="minor">
+              <a:schemeClr val="tx1"/>
+            </a:fontRef>
+          </p:style>
+        </p:cxnSp>
+        <p:cxnSp>
+          <p:nvCxnSpPr>
+            <p:cNvPr id="214" name="Connecteur droit avec flèche 213">
+              <a:extLst>
+                <a:ext uri="{FF2B5EF4-FFF2-40B4-BE49-F238E27FC236}">
+                  <a16:creationId xmlns:a16="http://schemas.microsoft.com/office/drawing/2014/main" id="{FF95CE98-AF75-4092-B8AD-4DAB0096E3C6}"/>
+                </a:ext>
+              </a:extLst>
+            </p:cNvPr>
+            <p:cNvCxnSpPr>
+              <a:stCxn id="10" idx="2"/>
+              <a:endCxn id="11" idx="0"/>
+            </p:cNvCxnSpPr>
+            <p:nvPr/>
+          </p:nvCxnSpPr>
+          <p:spPr>
+            <a:xfrm>
+              <a:off x="2730337" y="2666135"/>
+              <a:ext cx="1847" cy="365682"/>
+            </a:xfrm>
+            <a:prstGeom prst="straightConnector1">
+              <a:avLst/>
+            </a:prstGeom>
+            <a:ln>
+              <a:tailEnd type="triangle"/>
+            </a:ln>
+          </p:spPr>
+          <p:style>
+            <a:lnRef idx="1">
+              <a:schemeClr val="accent1"/>
+            </a:lnRef>
+            <a:fillRef idx="0">
+              <a:schemeClr val="accent1"/>
+            </a:fillRef>
+            <a:effectRef idx="0">
+              <a:schemeClr val="accent1"/>
+            </a:effectRef>
+            <a:fontRef idx="minor">
+              <a:schemeClr val="tx1"/>
+            </a:fontRef>
+          </p:style>
+        </p:cxnSp>
+        <p:cxnSp>
+          <p:nvCxnSpPr>
+            <p:cNvPr id="220" name="Connecteur droit avec flèche 219">
+              <a:extLst>
+                <a:ext uri="{FF2B5EF4-FFF2-40B4-BE49-F238E27FC236}">
+                  <a16:creationId xmlns:a16="http://schemas.microsoft.com/office/drawing/2014/main" id="{2D924DB5-3AD3-4D55-BC83-062E7C6E248B}"/>
+                </a:ext>
+              </a:extLst>
+            </p:cNvPr>
+            <p:cNvCxnSpPr>
+              <a:stCxn id="7" idx="2"/>
+              <a:endCxn id="14" idx="0"/>
+            </p:cNvCxnSpPr>
+            <p:nvPr/>
+          </p:nvCxnSpPr>
+          <p:spPr>
+            <a:xfrm>
+              <a:off x="4330444" y="1362851"/>
+              <a:ext cx="0" cy="368238"/>
+            </a:xfrm>
+            <a:prstGeom prst="straightConnector1">
+              <a:avLst/>
+            </a:prstGeom>
+            <a:ln>
+              <a:tailEnd type="triangle"/>
+            </a:ln>
+          </p:spPr>
+          <p:style>
+            <a:lnRef idx="1">
+              <a:schemeClr val="accent1"/>
+            </a:lnRef>
+            <a:fillRef idx="0">
+              <a:schemeClr val="accent1"/>
+            </a:fillRef>
+            <a:effectRef idx="0">
+              <a:schemeClr val="accent1"/>
+            </a:effectRef>
+            <a:fontRef idx="minor">
+              <a:schemeClr val="tx1"/>
+            </a:fontRef>
+          </p:style>
+        </p:cxnSp>
+        <p:cxnSp>
+          <p:nvCxnSpPr>
+            <p:cNvPr id="224" name="Connecteur droit avec flèche 223">
+              <a:extLst>
+                <a:ext uri="{FF2B5EF4-FFF2-40B4-BE49-F238E27FC236}">
+                  <a16:creationId xmlns:a16="http://schemas.microsoft.com/office/drawing/2014/main" id="{56F2D609-F062-4017-B521-D888D10E388A}"/>
+                </a:ext>
+              </a:extLst>
+            </p:cNvPr>
+            <p:cNvCxnSpPr>
+              <a:cxnSpLocks/>
+              <a:stCxn id="12" idx="3"/>
+              <a:endCxn id="13" idx="1"/>
+            </p:cNvCxnSpPr>
+            <p:nvPr/>
+          </p:nvCxnSpPr>
+          <p:spPr>
+            <a:xfrm flipV="1">
+              <a:off x="3355511" y="5147474"/>
+              <a:ext cx="1153554" cy="1"/>
+            </a:xfrm>
+            <a:prstGeom prst="straightConnector1">
+              <a:avLst/>
+            </a:prstGeom>
+            <a:ln>
+              <a:tailEnd type="triangle"/>
+            </a:ln>
+          </p:spPr>
+          <p:style>
+            <a:lnRef idx="1">
+              <a:schemeClr val="accent1"/>
+            </a:lnRef>
+            <a:fillRef idx="0">
+              <a:schemeClr val="accent1"/>
+            </a:fillRef>
+            <a:effectRef idx="0">
+              <a:schemeClr val="accent1"/>
+            </a:effectRef>
+            <a:fontRef idx="minor">
+              <a:schemeClr val="tx1"/>
+            </a:fontRef>
+          </p:style>
+        </p:cxnSp>
+        <p:cxnSp>
+          <p:nvCxnSpPr>
+            <p:cNvPr id="227" name="Connecteur droit avec flèche 226">
+              <a:extLst>
+                <a:ext uri="{FF2B5EF4-FFF2-40B4-BE49-F238E27FC236}">
+                  <a16:creationId xmlns:a16="http://schemas.microsoft.com/office/drawing/2014/main" id="{9B550DA9-2A5B-440F-BF17-F3C126D1C5C8}"/>
+                </a:ext>
+              </a:extLst>
+            </p:cNvPr>
+            <p:cNvCxnSpPr>
+              <a:stCxn id="11" idx="2"/>
+              <a:endCxn id="12" idx="0"/>
+            </p:cNvCxnSpPr>
+            <p:nvPr/>
+          </p:nvCxnSpPr>
+          <p:spPr>
+            <a:xfrm flipH="1">
+              <a:off x="2730335" y="4238681"/>
+              <a:ext cx="1848" cy="361439"/>
+            </a:xfrm>
+            <a:prstGeom prst="straightConnector1">
+              <a:avLst/>
+            </a:prstGeom>
+            <a:ln>
+              <a:tailEnd type="triangle"/>
+            </a:ln>
+          </p:spPr>
+          <p:style>
+            <a:lnRef idx="1">
+              <a:schemeClr val="accent1"/>
+            </a:lnRef>
+            <a:fillRef idx="0">
+              <a:schemeClr val="accent1"/>
+            </a:fillRef>
+            <a:effectRef idx="0">
+              <a:schemeClr val="accent1"/>
+            </a:effectRef>
+            <a:fontRef idx="minor">
+              <a:schemeClr val="tx1"/>
+            </a:fontRef>
+          </p:style>
+        </p:cxnSp>
+        <p:sp>
+          <p:nvSpPr>
+            <p:cNvPr id="37" name="Rectangle : coins arrondis 36">
+              <a:extLst>
+                <a:ext uri="{FF2B5EF4-FFF2-40B4-BE49-F238E27FC236}">
+                  <a16:creationId xmlns:a16="http://schemas.microsoft.com/office/drawing/2014/main" id="{595A71C2-D8A0-4D91-8BAA-D30FFC695FF1}"/>
+                </a:ext>
+              </a:extLst>
+            </p:cNvPr>
+            <p:cNvSpPr/>
+            <p:nvPr/>
+          </p:nvSpPr>
+          <p:spPr>
+            <a:xfrm>
+              <a:off x="4509064" y="8519347"/>
+              <a:ext cx="1250352" cy="935045"/>
+            </a:xfrm>
+            <a:prstGeom prst="roundRect">
+              <a:avLst/>
+            </a:prstGeom>
+          </p:spPr>
+          <p:style>
+            <a:lnRef idx="2">
+              <a:schemeClr val="accent2">
+                <a:shade val="50000"/>
+              </a:schemeClr>
+            </a:lnRef>
+            <a:fillRef idx="1">
+              <a:schemeClr val="accent2"/>
+            </a:fillRef>
+            <a:effectRef idx="0">
+              <a:schemeClr val="accent2"/>
+            </a:effectRef>
+            <a:fontRef idx="minor">
+              <a:schemeClr val="lt1"/>
+            </a:fontRef>
+          </p:style>
+          <p:txBody>
+            <a:bodyPr rot="0" spcFirstLastPara="0" vertOverflow="overflow" horzOverflow="overflow" vert="horz" wrap="square" lIns="75021" tIns="37511" rIns="75021" bIns="37511" numCol="1" spcCol="0" rtlCol="0" fromWordArt="0" anchor="ctr" anchorCtr="0" forceAA="0" compatLnSpc="1">
+              <a:prstTxWarp prst="textNoShape">
+                <a:avLst/>
+              </a:prstTxWarp>
+              <a:noAutofit/>
+            </a:bodyPr>
+            <a:lstStyle/>
+            <a:p>
+              <a:pPr algn="ctr"/>
+              <a:r>
+                <a:rPr lang="fr-CA" sz="1476" dirty="0"/>
+                <a:t>Base de données</a:t>
+              </a:r>
+            </a:p>
+          </p:txBody>
+        </p:sp>
+        <p:sp>
+          <p:nvSpPr>
+            <p:cNvPr id="38" name="Rectangle : coins arrondis 37">
+              <a:extLst>
+                <a:ext uri="{FF2B5EF4-FFF2-40B4-BE49-F238E27FC236}">
+                  <a16:creationId xmlns:a16="http://schemas.microsoft.com/office/drawing/2014/main" id="{ED89CEBD-0290-493E-9971-18A0D8C5AD07}"/>
+                </a:ext>
+              </a:extLst>
+            </p:cNvPr>
+            <p:cNvSpPr/>
+            <p:nvPr/>
+          </p:nvSpPr>
+          <p:spPr>
+            <a:xfrm>
+              <a:off x="4509064" y="7216059"/>
+              <a:ext cx="1250352" cy="935045"/>
+            </a:xfrm>
+            <a:prstGeom prst="roundRect">
+              <a:avLst/>
+            </a:prstGeom>
+          </p:spPr>
+          <p:style>
+            <a:lnRef idx="2">
+              <a:schemeClr val="accent1">
+                <a:shade val="50000"/>
+              </a:schemeClr>
+            </a:lnRef>
+            <a:fillRef idx="1">
+              <a:schemeClr val="accent1"/>
+            </a:fillRef>
+            <a:effectRef idx="0">
+              <a:schemeClr val="accent1"/>
+            </a:effectRef>
+            <a:fontRef idx="minor">
+              <a:schemeClr val="lt1"/>
+            </a:fontRef>
+          </p:style>
+          <p:txBody>
+            <a:bodyPr rot="0" spcFirstLastPara="0" vertOverflow="overflow" horzOverflow="overflow" vert="horz" wrap="square" lIns="75021" tIns="37511" rIns="75021" bIns="37511" numCol="1" spcCol="0" rtlCol="0" fromWordArt="0" anchor="ctr" anchorCtr="0" forceAA="0" compatLnSpc="1">
+              <a:prstTxWarp prst="textNoShape">
+                <a:avLst/>
+              </a:prstTxWarp>
+              <a:noAutofit/>
+            </a:bodyPr>
+            <a:lstStyle/>
+            <a:p>
+              <a:pPr algn="ctr"/>
+              <a:r>
+                <a:rPr lang="fr-CA" sz="1476" dirty="0"/>
+                <a:t>Assurer un accès sécurisé</a:t>
+              </a:r>
+            </a:p>
+          </p:txBody>
+        </p:sp>
+        <p:cxnSp>
+          <p:nvCxnSpPr>
+            <p:cNvPr id="21" name="Connecteur droit avec flèche 20">
+              <a:extLst>
+                <a:ext uri="{FF2B5EF4-FFF2-40B4-BE49-F238E27FC236}">
+                  <a16:creationId xmlns:a16="http://schemas.microsoft.com/office/drawing/2014/main" id="{A27E6045-6708-4612-AD01-901DBBAC2C6D}"/>
+                </a:ext>
+              </a:extLst>
+            </p:cNvPr>
+            <p:cNvCxnSpPr>
+              <a:stCxn id="38" idx="2"/>
+              <a:endCxn id="37" idx="0"/>
+            </p:cNvCxnSpPr>
+            <p:nvPr/>
+          </p:nvCxnSpPr>
+          <p:spPr>
+            <a:xfrm>
+              <a:off x="5134240" y="8151104"/>
+              <a:ext cx="0" cy="368243"/>
+            </a:xfrm>
+            <a:prstGeom prst="straightConnector1">
+              <a:avLst/>
+            </a:prstGeom>
+            <a:ln>
+              <a:tailEnd type="triangle"/>
+            </a:ln>
+          </p:spPr>
+          <p:style>
+            <a:lnRef idx="1">
+              <a:schemeClr val="accent1"/>
+            </a:lnRef>
+            <a:fillRef idx="0">
+              <a:schemeClr val="accent1"/>
+            </a:fillRef>
+            <a:effectRef idx="0">
+              <a:schemeClr val="accent1"/>
+            </a:effectRef>
+            <a:fontRef idx="minor">
+              <a:schemeClr val="tx1"/>
+            </a:fontRef>
+          </p:style>
+        </p:cxnSp>
+        <p:cxnSp>
+          <p:nvCxnSpPr>
+            <p:cNvPr id="24" name="Connecteur droit avec flèche 23">
+              <a:extLst>
+                <a:ext uri="{FF2B5EF4-FFF2-40B4-BE49-F238E27FC236}">
+                  <a16:creationId xmlns:a16="http://schemas.microsoft.com/office/drawing/2014/main" id="{3C8713C6-1BF6-4E8C-B712-51B0BF192C6F}"/>
+                </a:ext>
+              </a:extLst>
+            </p:cNvPr>
+            <p:cNvCxnSpPr>
+              <a:endCxn id="13" idx="3"/>
+            </p:cNvCxnSpPr>
+            <p:nvPr/>
+          </p:nvCxnSpPr>
+          <p:spPr>
+            <a:xfrm flipH="1">
+              <a:off x="5759417" y="5147470"/>
+              <a:ext cx="1793036" cy="2"/>
+            </a:xfrm>
+            <a:prstGeom prst="straightConnector1">
+              <a:avLst/>
+            </a:prstGeom>
+            <a:ln>
+              <a:tailEnd type="triangle"/>
+            </a:ln>
+          </p:spPr>
+          <p:style>
+            <a:lnRef idx="1">
+              <a:schemeClr val="accent1"/>
+            </a:lnRef>
+            <a:fillRef idx="0">
+              <a:schemeClr val="accent1"/>
+            </a:fillRef>
+            <a:effectRef idx="0">
+              <a:schemeClr val="accent1"/>
+            </a:effectRef>
+            <a:fontRef idx="minor">
+              <a:schemeClr val="tx1"/>
+            </a:fontRef>
+          </p:style>
+        </p:cxnSp>
+        <p:sp>
+          <p:nvSpPr>
+            <p:cNvPr id="44" name="Rectangle : coins arrondis 43">
+              <a:extLst>
+                <a:ext uri="{FF2B5EF4-FFF2-40B4-BE49-F238E27FC236}">
+                  <a16:creationId xmlns:a16="http://schemas.microsoft.com/office/drawing/2014/main" id="{7827C66E-7C89-421B-ADEE-EA2802298442}"/>
+                </a:ext>
+              </a:extLst>
+            </p:cNvPr>
+            <p:cNvSpPr/>
+            <p:nvPr/>
+          </p:nvSpPr>
+          <p:spPr>
+            <a:xfrm>
+              <a:off x="6912972" y="6241704"/>
+              <a:ext cx="1250352" cy="1280823"/>
+            </a:xfrm>
+            <a:prstGeom prst="roundRect">
+              <a:avLst/>
+            </a:prstGeom>
+          </p:spPr>
+          <p:style>
+            <a:lnRef idx="2">
+              <a:schemeClr val="accent1">
+                <a:shade val="50000"/>
+              </a:schemeClr>
+            </a:lnRef>
+            <a:fillRef idx="1">
+              <a:schemeClr val="accent1"/>
+            </a:fillRef>
+            <a:effectRef idx="0">
+              <a:schemeClr val="accent1"/>
+            </a:effectRef>
+            <a:fontRef idx="minor">
+              <a:schemeClr val="lt1"/>
+            </a:fontRef>
+          </p:style>
+          <p:txBody>
+            <a:bodyPr rot="0" spcFirstLastPara="0" vertOverflow="overflow" horzOverflow="overflow" vert="horz" wrap="square" lIns="75021" tIns="37511" rIns="75021" bIns="37511" numCol="1" spcCol="0" rtlCol="0" fromWordArt="0" anchor="ctr" anchorCtr="0" forceAA="0" compatLnSpc="1">
+              <a:prstTxWarp prst="textNoShape">
+                <a:avLst/>
+              </a:prstTxWarp>
+              <a:noAutofit/>
+            </a:bodyPr>
+            <a:lstStyle/>
+            <a:p>
+              <a:pPr algn="ctr"/>
+              <a:r>
+                <a:rPr lang="fr-CA" sz="1476" dirty="0"/>
+                <a:t>Analyser l’état du système et générer une alarme</a:t>
+              </a:r>
+            </a:p>
+          </p:txBody>
+        </p:sp>
+        <p:cxnSp>
+          <p:nvCxnSpPr>
+            <p:cNvPr id="28" name="Connecteur droit avec flèche 27">
+              <a:extLst>
+                <a:ext uri="{FF2B5EF4-FFF2-40B4-BE49-F238E27FC236}">
+                  <a16:creationId xmlns:a16="http://schemas.microsoft.com/office/drawing/2014/main" id="{D8043960-472B-4650-8D2C-5F30DAE347EE}"/>
+                </a:ext>
+              </a:extLst>
+            </p:cNvPr>
+            <p:cNvCxnSpPr>
+              <a:cxnSpLocks/>
+              <a:stCxn id="44" idx="2"/>
+              <a:endCxn id="20" idx="0"/>
+            </p:cNvCxnSpPr>
+            <p:nvPr/>
+          </p:nvCxnSpPr>
+          <p:spPr>
+            <a:xfrm>
+              <a:off x="7538148" y="7522527"/>
+              <a:ext cx="7488" cy="996820"/>
+            </a:xfrm>
+            <a:prstGeom prst="straightConnector1">
+              <a:avLst/>
+            </a:prstGeom>
+            <a:ln>
+              <a:tailEnd type="triangle"/>
+            </a:ln>
+          </p:spPr>
+          <p:style>
+            <a:lnRef idx="1">
+              <a:schemeClr val="accent1"/>
+            </a:lnRef>
+            <a:fillRef idx="0">
+              <a:schemeClr val="accent1"/>
+            </a:fillRef>
+            <a:effectRef idx="0">
+              <a:schemeClr val="accent1"/>
+            </a:effectRef>
+            <a:fontRef idx="minor">
+              <a:schemeClr val="tx1"/>
+            </a:fontRef>
+          </p:style>
+        </p:cxnSp>
+      </p:grpSp>
     </p:spTree>
     <p:extLst>
       <p:ext uri="{BB962C8B-B14F-4D97-AF65-F5344CB8AC3E}">
